--- a/Презентация.pptx
+++ b/Презентация.pptx
@@ -9,8 +9,13 @@
     <p:sldId id="257" r:id="rId3"/>
     <p:sldId id="258" r:id="rId4"/>
     <p:sldId id="260" r:id="rId5"/>
-    <p:sldId id="261" r:id="rId6"/>
-    <p:sldId id="262" r:id="rId7"/>
+    <p:sldId id="264" r:id="rId6"/>
+    <p:sldId id="265" r:id="rId7"/>
+    <p:sldId id="266" r:id="rId8"/>
+    <p:sldId id="267" r:id="rId9"/>
+    <p:sldId id="263" r:id="rId10"/>
+    <p:sldId id="261" r:id="rId11"/>
+    <p:sldId id="262" r:id="rId12"/>
   </p:sldIdLst>
   <p:sldSz cx="12192000" cy="6858000"/>
   <p:notesSz cx="6858000" cy="9144000"/>
@@ -117,15 +122,6 @@
 </p:presentation>
 </file>
 
-<file path=ppt/revisionInfo.xml><?xml version="1.0" encoding="utf-8"?>
-<p1510:revInfo xmlns:a="http://schemas.openxmlformats.org/drawingml/2006/main" xmlns:r="http://schemas.openxmlformats.org/officeDocument/2006/relationships" xmlns:p1510="http://schemas.microsoft.com/office/powerpoint/2015/10/main">
-  <p1510:revLst>
-    <p1510:client id="{2DB2B93A-BEB0-4927-8ABC-3406F5436C14}" v="3" dt="2022-11-24T14:15:25.779"/>
-    <p1510:client id="{4E75AAB1-3B40-4AF0-9FD0-30F8F2E944A9}" v="35" dt="2022-11-24T14:25:49.861"/>
-  </p1510:revLst>
-</p1510:revInfo>
-</file>
-
 <file path=ppt/slideLayouts/slideLayout1.xml><?xml version="1.0" encoding="utf-8"?>
 <p:sldLayout xmlns:a="http://schemas.openxmlformats.org/drawingml/2006/main" xmlns:r="http://schemas.openxmlformats.org/officeDocument/2006/relationships" xmlns:p="http://schemas.openxmlformats.org/presentationml/2006/main" type="title" preserve="1">
   <p:cSld name="Титульный слайд">
@@ -273,7 +269,7 @@
           <a:p>
             <a:fld id="{DDD2B008-B47A-4641-A167-C1797F26DB90}" type="datetimeFigureOut">
               <a:rPr lang="ru-RU" smtClean="0"/>
-              <a:t>24.11.2022</a:t>
+              <a:t>25.11.2022</a:t>
             </a:fld>
             <a:endParaRPr lang="ru-RU"/>
           </a:p>
@@ -471,7 +467,7 @@
           <a:p>
             <a:fld id="{DDD2B008-B47A-4641-A167-C1797F26DB90}" type="datetimeFigureOut">
               <a:rPr lang="ru-RU" smtClean="0"/>
-              <a:t>24.11.2022</a:t>
+              <a:t>25.11.2022</a:t>
             </a:fld>
             <a:endParaRPr lang="ru-RU"/>
           </a:p>
@@ -679,7 +675,7 @@
           <a:p>
             <a:fld id="{DDD2B008-B47A-4641-A167-C1797F26DB90}" type="datetimeFigureOut">
               <a:rPr lang="ru-RU" smtClean="0"/>
-              <a:t>24.11.2022</a:t>
+              <a:t>25.11.2022</a:t>
             </a:fld>
             <a:endParaRPr lang="ru-RU"/>
           </a:p>
@@ -877,7 +873,7 @@
           <a:p>
             <a:fld id="{DDD2B008-B47A-4641-A167-C1797F26DB90}" type="datetimeFigureOut">
               <a:rPr lang="ru-RU" smtClean="0"/>
-              <a:t>24.11.2022</a:t>
+              <a:t>25.11.2022</a:t>
             </a:fld>
             <a:endParaRPr lang="ru-RU"/>
           </a:p>
@@ -1152,7 +1148,7 @@
           <a:p>
             <a:fld id="{DDD2B008-B47A-4641-A167-C1797F26DB90}" type="datetimeFigureOut">
               <a:rPr lang="ru-RU" smtClean="0"/>
-              <a:t>24.11.2022</a:t>
+              <a:t>25.11.2022</a:t>
             </a:fld>
             <a:endParaRPr lang="ru-RU"/>
           </a:p>
@@ -1417,7 +1413,7 @@
           <a:p>
             <a:fld id="{DDD2B008-B47A-4641-A167-C1797F26DB90}" type="datetimeFigureOut">
               <a:rPr lang="ru-RU" smtClean="0"/>
-              <a:t>24.11.2022</a:t>
+              <a:t>25.11.2022</a:t>
             </a:fld>
             <a:endParaRPr lang="ru-RU"/>
           </a:p>
@@ -1829,7 +1825,7 @@
           <a:p>
             <a:fld id="{DDD2B008-B47A-4641-A167-C1797F26DB90}" type="datetimeFigureOut">
               <a:rPr lang="ru-RU" smtClean="0"/>
-              <a:t>24.11.2022</a:t>
+              <a:t>25.11.2022</a:t>
             </a:fld>
             <a:endParaRPr lang="ru-RU"/>
           </a:p>
@@ -1970,7 +1966,7 @@
           <a:p>
             <a:fld id="{DDD2B008-B47A-4641-A167-C1797F26DB90}" type="datetimeFigureOut">
               <a:rPr lang="ru-RU" smtClean="0"/>
-              <a:t>24.11.2022</a:t>
+              <a:t>25.11.2022</a:t>
             </a:fld>
             <a:endParaRPr lang="ru-RU"/>
           </a:p>
@@ -2083,7 +2079,7 @@
           <a:p>
             <a:fld id="{DDD2B008-B47A-4641-A167-C1797F26DB90}" type="datetimeFigureOut">
               <a:rPr lang="ru-RU" smtClean="0"/>
-              <a:t>24.11.2022</a:t>
+              <a:t>25.11.2022</a:t>
             </a:fld>
             <a:endParaRPr lang="ru-RU"/>
           </a:p>
@@ -2394,7 +2390,7 @@
           <a:p>
             <a:fld id="{DDD2B008-B47A-4641-A167-C1797F26DB90}" type="datetimeFigureOut">
               <a:rPr lang="ru-RU" smtClean="0"/>
-              <a:t>24.11.2022</a:t>
+              <a:t>25.11.2022</a:t>
             </a:fld>
             <a:endParaRPr lang="ru-RU"/>
           </a:p>
@@ -2682,7 +2678,7 @@
           <a:p>
             <a:fld id="{DDD2B008-B47A-4641-A167-C1797F26DB90}" type="datetimeFigureOut">
               <a:rPr lang="ru-RU" smtClean="0"/>
-              <a:t>24.11.2022</a:t>
+              <a:t>25.11.2022</a:t>
             </a:fld>
             <a:endParaRPr lang="ru-RU"/>
           </a:p>
@@ -2923,7 +2919,7 @@
           <a:p>
             <a:fld id="{DDD2B008-B47A-4641-A167-C1797F26DB90}" type="datetimeFigureOut">
               <a:rPr lang="ru-RU" smtClean="0"/>
-              <a:t>24.11.2022</a:t>
+              <a:t>25.11.2022</a:t>
             </a:fld>
             <a:endParaRPr lang="ru-RU"/>
           </a:p>
@@ -3370,22 +3366,22 @@
           <a:p>
             <a:r>
               <a:rPr lang="ru-RU" sz="4800" dirty="0">
-                <a:latin typeface="Times New Roman"/>
-                <a:cs typeface="Times New Roman"/>
+                <a:latin typeface="Times New Roman" panose="02020603050405020304" pitchFamily="18" charset="0"/>
+                <a:cs typeface="Times New Roman" panose="02020603050405020304" pitchFamily="18" charset="0"/>
               </a:rPr>
               <a:t>Шахматы с </a:t>
             </a:r>
             <a:r>
-              <a:rPr lang="ru-RU" sz="4800">
-                <a:latin typeface="Times New Roman"/>
-                <a:cs typeface="Times New Roman"/>
+              <a:rPr lang="ru-RU" sz="4800" dirty="0" err="1">
+                <a:latin typeface="Times New Roman" panose="02020603050405020304" pitchFamily="18" charset="0"/>
+                <a:cs typeface="Times New Roman" panose="02020603050405020304" pitchFamily="18" charset="0"/>
               </a:rPr>
               <a:t>Искуственным</a:t>
             </a:r>
             <a:r>
               <a:rPr lang="ru-RU" sz="4800" dirty="0">
-                <a:latin typeface="Times New Roman"/>
-                <a:cs typeface="Times New Roman"/>
+                <a:latin typeface="Times New Roman" panose="02020603050405020304" pitchFamily="18" charset="0"/>
+                <a:cs typeface="Times New Roman" panose="02020603050405020304" pitchFamily="18" charset="0"/>
               </a:rPr>
               <a:t> Интеллектом</a:t>
             </a:r>
@@ -3453,6 +3449,276 @@
     <p:extLst>
       <p:ext uri="{BB962C8B-B14F-4D97-AF65-F5344CB8AC3E}">
         <p14:creationId xmlns:p14="http://schemas.microsoft.com/office/powerpoint/2010/main" val="1731440439"/>
+      </p:ext>
+    </p:extLst>
+  </p:cSld>
+  <p:clrMapOvr>
+    <a:masterClrMapping/>
+  </p:clrMapOvr>
+</p:sld>
+</file>
+
+<file path=ppt/slides/slide10.xml><?xml version="1.0" encoding="utf-8"?>
+<p:sld xmlns:a="http://schemas.openxmlformats.org/drawingml/2006/main" xmlns:r="http://schemas.openxmlformats.org/officeDocument/2006/relationships" xmlns:p="http://schemas.openxmlformats.org/presentationml/2006/main">
+  <p:cSld>
+    <p:spTree>
+      <p:nvGrpSpPr>
+        <p:cNvPr id="1" name=""/>
+        <p:cNvGrpSpPr/>
+        <p:nvPr/>
+      </p:nvGrpSpPr>
+      <p:grpSpPr>
+        <a:xfrm>
+          <a:off x="0" y="0"/>
+          <a:ext cx="0" cy="0"/>
+          <a:chOff x="0" y="0"/>
+          <a:chExt cx="0" cy="0"/>
+        </a:xfrm>
+      </p:grpSpPr>
+      <p:sp>
+        <p:nvSpPr>
+          <p:cNvPr id="2" name="Заголовок 1">
+            <a:extLst>
+              <a:ext uri="{FF2B5EF4-FFF2-40B4-BE49-F238E27FC236}">
+                <a16:creationId xmlns:a16="http://schemas.microsoft.com/office/drawing/2014/main" id="{AA5DA1AD-7407-85A1-2C25-490587B91CC4}"/>
+              </a:ext>
+            </a:extLst>
+          </p:cNvPr>
+          <p:cNvSpPr>
+            <a:spLocks noGrp="1"/>
+          </p:cNvSpPr>
+          <p:nvPr>
+            <p:ph type="ctrTitle"/>
+          </p:nvPr>
+        </p:nvSpPr>
+        <p:spPr>
+          <a:xfrm>
+            <a:off x="1524000" y="545314"/>
+            <a:ext cx="9144000" cy="768581"/>
+          </a:xfrm>
+        </p:spPr>
+        <p:txBody>
+          <a:bodyPr>
+            <a:normAutofit fontScale="90000"/>
+          </a:bodyPr>
+          <a:lstStyle/>
+          <a:p>
+            <a:r>
+              <a:rPr lang="ru-RU" dirty="0">
+                <a:latin typeface="Times New Roman" panose="02020603050405020304" pitchFamily="18" charset="0"/>
+                <a:cs typeface="Times New Roman" panose="02020603050405020304" pitchFamily="18" charset="0"/>
+              </a:rPr>
+              <a:t>Заключение</a:t>
+            </a:r>
+          </a:p>
+        </p:txBody>
+      </p:sp>
+      <p:sp>
+        <p:nvSpPr>
+          <p:cNvPr id="3" name="Подзаголовок 2">
+            <a:extLst>
+              <a:ext uri="{FF2B5EF4-FFF2-40B4-BE49-F238E27FC236}">
+                <a16:creationId xmlns:a16="http://schemas.microsoft.com/office/drawing/2014/main" id="{B26106AD-2DF1-FAB0-5023-3E13506CE1D3}"/>
+              </a:ext>
+            </a:extLst>
+          </p:cNvPr>
+          <p:cNvSpPr>
+            <a:spLocks noGrp="1"/>
+          </p:cNvSpPr>
+          <p:nvPr>
+            <p:ph type="subTitle" idx="1"/>
+          </p:nvPr>
+        </p:nvSpPr>
+        <p:spPr>
+          <a:xfrm>
+            <a:off x="1524000" y="1642369"/>
+            <a:ext cx="9144000" cy="4802819"/>
+          </a:xfrm>
+        </p:spPr>
+        <p:txBody>
+          <a:bodyPr/>
+          <a:lstStyle/>
+          <a:p>
+            <a:pPr algn="l"/>
+            <a:r>
+              <a:rPr lang="ru-RU" dirty="0">
+                <a:latin typeface="Times New Roman" panose="02020603050405020304" pitchFamily="18" charset="0"/>
+                <a:cs typeface="Times New Roman" panose="02020603050405020304" pitchFamily="18" charset="0"/>
+              </a:rPr>
+              <a:t>	Итак, проект получился достаточно интересным, сложным и полезным для развития.</a:t>
+            </a:r>
+          </a:p>
+          <a:p>
+            <a:pPr algn="l"/>
+            <a:r>
+              <a:rPr lang="ru-RU" dirty="0">
+                <a:latin typeface="Times New Roman" panose="02020603050405020304" pitchFamily="18" charset="0"/>
+                <a:cs typeface="Times New Roman" panose="02020603050405020304" pitchFamily="18" charset="0"/>
+              </a:rPr>
+              <a:t>	Буду рад, тестам и поискам багов в нём.</a:t>
+            </a:r>
+          </a:p>
+          <a:p>
+            <a:pPr algn="l"/>
+            <a:r>
+              <a:rPr lang="ru-RU" dirty="0">
+                <a:latin typeface="Times New Roman" panose="02020603050405020304" pitchFamily="18" charset="0"/>
+                <a:cs typeface="Times New Roman" panose="02020603050405020304" pitchFamily="18" charset="0"/>
+              </a:rPr>
+              <a:t>	Проект можно скачать на моём </a:t>
+            </a:r>
+            <a:r>
+              <a:rPr lang="en-US">
+                <a:latin typeface="Times New Roman" panose="02020603050405020304" pitchFamily="18" charset="0"/>
+                <a:cs typeface="Times New Roman" panose="02020603050405020304" pitchFamily="18" charset="0"/>
+              </a:rPr>
+              <a:t>GitHub</a:t>
+            </a:r>
+            <a:r>
+              <a:rPr lang="ru-RU">
+                <a:latin typeface="Times New Roman" panose="02020603050405020304" pitchFamily="18" charset="0"/>
+                <a:cs typeface="Times New Roman" panose="02020603050405020304" pitchFamily="18" charset="0"/>
+              </a:rPr>
+              <a:t> </a:t>
+            </a:r>
+            <a:r>
+              <a:rPr lang="ru-RU" dirty="0">
+                <a:latin typeface="Times New Roman" panose="02020603050405020304" pitchFamily="18" charset="0"/>
+                <a:cs typeface="Times New Roman" panose="02020603050405020304" pitchFamily="18" charset="0"/>
+              </a:rPr>
+              <a:t>(</a:t>
+            </a:r>
+            <a:r>
+              <a:rPr lang="en-US" dirty="0" err="1">
+                <a:latin typeface="Times New Roman" panose="02020603050405020304" pitchFamily="18" charset="0"/>
+                <a:cs typeface="Times New Roman" panose="02020603050405020304" pitchFamily="18" charset="0"/>
+              </a:rPr>
+              <a:t>MatveyZhikharev</a:t>
+            </a:r>
+            <a:r>
+              <a:rPr lang="ru-RU" dirty="0">
+                <a:latin typeface="Times New Roman" panose="02020603050405020304" pitchFamily="18" charset="0"/>
+                <a:cs typeface="Times New Roman" panose="02020603050405020304" pitchFamily="18" charset="0"/>
+              </a:rPr>
+              <a:t>)</a:t>
+            </a:r>
+            <a:endParaRPr lang="en-US" dirty="0">
+              <a:latin typeface="Times New Roman" panose="02020603050405020304" pitchFamily="18" charset="0"/>
+              <a:cs typeface="Times New Roman" panose="02020603050405020304" pitchFamily="18" charset="0"/>
+            </a:endParaRPr>
+          </a:p>
+          <a:p>
+            <a:pPr algn="l"/>
+            <a:endParaRPr lang="ru-RU" dirty="0">
+              <a:latin typeface="Times New Roman" panose="02020603050405020304" pitchFamily="18" charset="0"/>
+              <a:cs typeface="Times New Roman" panose="02020603050405020304" pitchFamily="18" charset="0"/>
+            </a:endParaRPr>
+          </a:p>
+        </p:txBody>
+      </p:sp>
+    </p:spTree>
+    <p:extLst>
+      <p:ext uri="{BB962C8B-B14F-4D97-AF65-F5344CB8AC3E}">
+        <p14:creationId xmlns:p14="http://schemas.microsoft.com/office/powerpoint/2010/main" val="2126180481"/>
+      </p:ext>
+    </p:extLst>
+  </p:cSld>
+  <p:clrMapOvr>
+    <a:masterClrMapping/>
+  </p:clrMapOvr>
+</p:sld>
+</file>
+
+<file path=ppt/slides/slide11.xml><?xml version="1.0" encoding="utf-8"?>
+<p:sld xmlns:a="http://schemas.openxmlformats.org/drawingml/2006/main" xmlns:r="http://schemas.openxmlformats.org/officeDocument/2006/relationships" xmlns:p="http://schemas.openxmlformats.org/presentationml/2006/main">
+  <p:cSld>
+    <p:spTree>
+      <p:nvGrpSpPr>
+        <p:cNvPr id="1" name=""/>
+        <p:cNvGrpSpPr/>
+        <p:nvPr/>
+      </p:nvGrpSpPr>
+      <p:grpSpPr>
+        <a:xfrm>
+          <a:off x="0" y="0"/>
+          <a:ext cx="0" cy="0"/>
+          <a:chOff x="0" y="0"/>
+          <a:chExt cx="0" cy="0"/>
+        </a:xfrm>
+      </p:grpSpPr>
+      <p:pic>
+        <p:nvPicPr>
+          <p:cNvPr id="4" name="Рисунок 3">
+            <a:extLst>
+              <a:ext uri="{FF2B5EF4-FFF2-40B4-BE49-F238E27FC236}">
+                <a16:creationId xmlns:a16="http://schemas.microsoft.com/office/drawing/2014/main" id="{013B7412-1377-DC34-FACB-0C6E2C742D13}"/>
+              </a:ext>
+            </a:extLst>
+          </p:cNvPr>
+          <p:cNvPicPr>
+            <a:picLocks noChangeAspect="1"/>
+          </p:cNvPicPr>
+          <p:nvPr/>
+        </p:nvPicPr>
+        <p:blipFill>
+          <a:blip r:embed="rId2"/>
+          <a:stretch>
+            <a:fillRect/>
+          </a:stretch>
+        </p:blipFill>
+        <p:spPr>
+          <a:xfrm>
+            <a:off x="3435299" y="0"/>
+            <a:ext cx="8756701" cy="6793992"/>
+          </a:xfrm>
+          <a:prstGeom prst="rect">
+            <a:avLst/>
+          </a:prstGeom>
+        </p:spPr>
+      </p:pic>
+      <p:sp>
+        <p:nvSpPr>
+          <p:cNvPr id="2" name="Заголовок 1">
+            <a:extLst>
+              <a:ext uri="{FF2B5EF4-FFF2-40B4-BE49-F238E27FC236}">
+                <a16:creationId xmlns:a16="http://schemas.microsoft.com/office/drawing/2014/main" id="{451EDCE4-0B7C-113A-11FD-4A31F79EB118}"/>
+              </a:ext>
+            </a:extLst>
+          </p:cNvPr>
+          <p:cNvSpPr>
+            <a:spLocks noGrp="1"/>
+          </p:cNvSpPr>
+          <p:nvPr>
+            <p:ph type="title"/>
+          </p:nvPr>
+        </p:nvSpPr>
+        <p:spPr>
+          <a:xfrm>
+            <a:off x="0" y="551557"/>
+            <a:ext cx="3474720" cy="1499184"/>
+          </a:xfrm>
+        </p:spPr>
+        <p:txBody>
+          <a:bodyPr>
+            <a:normAutofit fontScale="90000"/>
+          </a:bodyPr>
+          <a:lstStyle/>
+          <a:p>
+            <a:pPr algn="ctr"/>
+            <a:r>
+              <a:rPr lang="ru-RU" sz="6000" dirty="0">
+                <a:latin typeface="Times New Roman" panose="02020603050405020304" pitchFamily="18" charset="0"/>
+                <a:cs typeface="Times New Roman" panose="02020603050405020304" pitchFamily="18" charset="0"/>
+              </a:rPr>
+              <a:t>Спасибо за внимание!</a:t>
+            </a:r>
+          </a:p>
+        </p:txBody>
+      </p:sp>
+    </p:spTree>
+    <p:extLst>
+      <p:ext uri="{BB962C8B-B14F-4D97-AF65-F5344CB8AC3E}">
+        <p14:creationId xmlns:p14="http://schemas.microsoft.com/office/powerpoint/2010/main" val="3133955238"/>
       </p:ext>
     </p:extLst>
   </p:cSld>
@@ -3539,7 +3805,7 @@
           </a:xfrm>
         </p:spPr>
         <p:txBody>
-          <a:bodyPr vert="horz" lIns="91440" tIns="45720" rIns="91440" bIns="45720" rtlCol="0" anchor="t">
+          <a:bodyPr>
             <a:normAutofit/>
           </a:bodyPr>
           <a:lstStyle/>
@@ -3567,48 +3833,109 @@
             </a:r>
           </a:p>
           <a:p>
+            <a:pPr marL="342900" lvl="0" indent="-342900">
+              <a:lnSpc>
+                <a:spcPct val="150000"/>
+              </a:lnSpc>
+              <a:spcAft>
+                <a:spcPts val="800"/>
+              </a:spcAft>
+              <a:buFont typeface="Arial" panose="020B0604020202020204" pitchFamily="34" charset="0"/>
+              <a:buChar char="•"/>
+            </a:pPr>
             <a:r>
               <a:rPr lang="ru-RU" b="1" dirty="0">
-                <a:latin typeface="Times New Roman"/>
-                <a:cs typeface="Times New Roman"/>
+                <a:solidFill>
+                  <a:srgbClr val="000000"/>
+                </a:solidFill>
+                <a:effectLst/>
+                <a:latin typeface="Times New Roman" panose="02020603050405020304" pitchFamily="18" charset="0"/>
+                <a:ea typeface="Times New Roman" panose="02020603050405020304" pitchFamily="18" charset="0"/>
+                <a:cs typeface="Times New Roman" panose="02020603050405020304" pitchFamily="18" charset="0"/>
               </a:rPr>
               <a:t>Технологии, используемые в проекте: </a:t>
             </a:r>
             <a:r>
+              <a:rPr lang="ru-RU" dirty="0" err="1">
+                <a:solidFill>
+                  <a:srgbClr val="000000"/>
+                </a:solidFill>
+                <a:effectLst/>
+                <a:latin typeface="Times New Roman" panose="02020603050405020304" pitchFamily="18" charset="0"/>
+                <a:ea typeface="Times New Roman" panose="02020603050405020304" pitchFamily="18" charset="0"/>
+                <a:cs typeface="Times New Roman" panose="02020603050405020304" pitchFamily="18" charset="0"/>
+              </a:rPr>
+              <a:t>Stockfish</a:t>
+            </a:r>
+            <a:r>
+              <a:rPr lang="ru-RU" dirty="0">
+                <a:solidFill>
+                  <a:srgbClr val="000000"/>
+                </a:solidFill>
+                <a:effectLst/>
+                <a:latin typeface="Times New Roman" panose="02020603050405020304" pitchFamily="18" charset="0"/>
+                <a:ea typeface="Times New Roman" panose="02020603050405020304" pitchFamily="18" charset="0"/>
+                <a:cs typeface="Times New Roman" panose="02020603050405020304" pitchFamily="18" charset="0"/>
+              </a:rPr>
+              <a:t>(ИИ), PIL, PyQt5, </a:t>
+            </a:r>
+            <a:r>
               <a:rPr lang="en-US" dirty="0">
-                <a:latin typeface="Times New Roman"/>
-                <a:cs typeface="Times New Roman"/>
-              </a:rPr>
-              <a:t>Stockfish(</a:t>
+                <a:solidFill>
+                  <a:srgbClr val="000000"/>
+                </a:solidFill>
+                <a:effectLst/>
+                <a:latin typeface="Times New Roman" panose="02020603050405020304" pitchFamily="18" charset="0"/>
+                <a:ea typeface="Times New Roman" panose="02020603050405020304" pitchFamily="18" charset="0"/>
+                <a:cs typeface="Times New Roman" panose="02020603050405020304" pitchFamily="18" charset="0"/>
+              </a:rPr>
+              <a:t>CSS</a:t>
             </a:r>
             <a:r>
               <a:rPr lang="ru-RU" dirty="0">
-                <a:latin typeface="Times New Roman"/>
-                <a:cs typeface="Times New Roman"/>
-              </a:rPr>
-              <a:t>ИИ)</a:t>
-            </a:r>
-            <a:r>
-              <a:rPr lang="en-US" dirty="0">
-                <a:latin typeface="Times New Roman"/>
-                <a:cs typeface="Times New Roman"/>
-              </a:rPr>
-              <a:t>, PIL, PyQt5, CSV, </a:t>
+                <a:solidFill>
+                  <a:srgbClr val="000000"/>
+                </a:solidFill>
+                <a:effectLst/>
+                <a:latin typeface="Times New Roman" panose="02020603050405020304" pitchFamily="18" charset="0"/>
+                <a:ea typeface="Times New Roman" panose="02020603050405020304" pitchFamily="18" charset="0"/>
+                <a:cs typeface="Times New Roman" panose="02020603050405020304" pitchFamily="18" charset="0"/>
+              </a:rPr>
+              <a:t>, CSV, ООП, </a:t>
+            </a:r>
+            <a:r>
+              <a:rPr lang="en-US" dirty="0" err="1">
+                <a:solidFill>
+                  <a:srgbClr val="000000"/>
+                </a:solidFill>
+                <a:effectLst/>
+                <a:latin typeface="Times New Roman" panose="02020603050405020304" pitchFamily="18" charset="0"/>
+                <a:ea typeface="Times New Roman" panose="02020603050405020304" pitchFamily="18" charset="0"/>
+                <a:cs typeface="Times New Roman" panose="02020603050405020304" pitchFamily="18" charset="0"/>
+              </a:rPr>
+              <a:t>QtDesigner</a:t>
             </a:r>
             <a:r>
               <a:rPr lang="ru-RU" dirty="0">
-                <a:latin typeface="Times New Roman"/>
-                <a:cs typeface="Times New Roman"/>
-              </a:rPr>
-              <a:t>ООП, диалоговые окна, файлы</a:t>
+                <a:solidFill>
+                  <a:srgbClr val="000000"/>
+                </a:solidFill>
+                <a:effectLst/>
+                <a:latin typeface="Times New Roman" panose="02020603050405020304" pitchFamily="18" charset="0"/>
+                <a:ea typeface="Times New Roman" panose="02020603050405020304" pitchFamily="18" charset="0"/>
+                <a:cs typeface="Times New Roman" panose="02020603050405020304" pitchFamily="18" charset="0"/>
+              </a:rPr>
+              <a:t>, диалоговые окна, файлы</a:t>
             </a:r>
             <a:endParaRPr lang="ru-RU" dirty="0">
-              <a:latin typeface="Times New Roman" panose="02020603050405020304" pitchFamily="18" charset="0"/>
+              <a:effectLst/>
+              <a:latin typeface="Calibri" panose="020F0502020204030204" pitchFamily="34" charset="0"/>
+              <a:ea typeface="Times New Roman" panose="02020603050405020304" pitchFamily="18" charset="0"/>
               <a:cs typeface="Times New Roman" panose="02020603050405020304" pitchFamily="18" charset="0"/>
             </a:endParaRPr>
           </a:p>
           <a:p>
-            <a:endParaRPr lang="ru-RU" b="1">
+            <a:endParaRPr lang="ru-RU" b="1" dirty="0">
               <a:latin typeface="Times New Roman" panose="02020603050405020304" pitchFamily="18" charset="0"/>
               <a:cs typeface="Times New Roman" panose="02020603050405020304" pitchFamily="18" charset="0"/>
             </a:endParaRPr>
@@ -3948,11 +4275,13 @@
         <p:spPr>
           <a:xfrm>
             <a:off x="831850" y="674703"/>
-            <a:ext cx="10515600" cy="5414947"/>
+            <a:ext cx="10789020" cy="5414947"/>
           </a:xfrm>
         </p:spPr>
         <p:txBody>
-          <a:bodyPr/>
+          <a:bodyPr>
+            <a:normAutofit/>
+          </a:bodyPr>
           <a:lstStyle/>
           <a:p>
             <a:pPr>
@@ -3987,16 +4316,13 @@
                 <a:spcPct val="150000"/>
               </a:lnSpc>
             </a:pPr>
-            <a:r>
-              <a:rPr lang="ru-RU" sz="2800" dirty="0">
-                <a:solidFill>
-                  <a:schemeClr val="tx1"/>
-                </a:solidFill>
-                <a:latin typeface="Times New Roman" panose="02020603050405020304" pitchFamily="18" charset="0"/>
-                <a:cs typeface="Times New Roman" panose="02020603050405020304" pitchFamily="18" charset="0"/>
-              </a:rPr>
-              <a:t>	Приложение имеет функцию выбора уровня, сохранение фото доски, сохранение файла ходов, подсказки и другие.</a:t>
-            </a:r>
+            <a:endParaRPr lang="ru-RU" sz="2800" dirty="0">
+              <a:solidFill>
+                <a:schemeClr val="tx1"/>
+              </a:solidFill>
+              <a:latin typeface="Times New Roman" panose="02020603050405020304" pitchFamily="18" charset="0"/>
+              <a:cs typeface="Times New Roman" panose="02020603050405020304" pitchFamily="18" charset="0"/>
+            </a:endParaRPr>
           </a:p>
           <a:p>
             <a:pPr>
@@ -4012,48 +4338,308 @@
                 <a:latin typeface="Times New Roman" panose="02020603050405020304" pitchFamily="18" charset="0"/>
                 <a:cs typeface="Times New Roman" panose="02020603050405020304" pitchFamily="18" charset="0"/>
               </a:rPr>
-              <a:t>	Интерфейс подключен через </a:t>
-            </a:r>
-            <a:r>
-              <a:rPr lang="en-US" sz="2800" dirty="0">
-                <a:solidFill>
-                  <a:schemeClr val="tx1"/>
-                </a:solidFill>
-                <a:latin typeface="Times New Roman" panose="02020603050405020304" pitchFamily="18" charset="0"/>
-                <a:cs typeface="Times New Roman" panose="02020603050405020304" pitchFamily="18" charset="0"/>
-              </a:rPr>
-              <a:t>UI</a:t>
-            </a:r>
-            <a:r>
-              <a:rPr lang="ru-RU" sz="2800" dirty="0">
-                <a:solidFill>
-                  <a:schemeClr val="tx1"/>
-                </a:solidFill>
-                <a:latin typeface="Times New Roman" panose="02020603050405020304" pitchFamily="18" charset="0"/>
-                <a:cs typeface="Times New Roman" panose="02020603050405020304" pitchFamily="18" charset="0"/>
-              </a:rPr>
-              <a:t> файл.</a:t>
-            </a:r>
-          </a:p>
-          <a:p>
-            <a:pPr>
+              <a:t>	</a:t>
+            </a:r>
+          </a:p>
+          <a:p>
+            <a:pPr marL="342900" lvl="0" indent="-342900">
               <a:lnSpc>
                 <a:spcPct val="150000"/>
               </a:lnSpc>
+              <a:buFont typeface="Times New Roman" panose="02020603050405020304" pitchFamily="18" charset="0"/>
+              <a:buChar char="‐"/>
             </a:pPr>
             <a:r>
-              <a:rPr lang="ru-RU" sz="2800" dirty="0">
-                <a:solidFill>
-                  <a:schemeClr val="tx1"/>
-                </a:solidFill>
-                <a:latin typeface="Times New Roman" panose="02020603050405020304" pitchFamily="18" charset="0"/>
-                <a:cs typeface="Times New Roman" panose="02020603050405020304" pitchFamily="18" charset="0"/>
-              </a:rPr>
-              <a:t>	Перейдём к самому приложению.</a:t>
-            </a:r>
-          </a:p>
-        </p:txBody>
-      </p:sp>
+              <a:rPr lang="en-US" sz="1800" dirty="0">
+                <a:solidFill>
+                  <a:srgbClr val="000000"/>
+                </a:solidFill>
+                <a:effectLst/>
+                <a:latin typeface="Times New Roman" panose="02020603050405020304" pitchFamily="18" charset="0"/>
+                <a:ea typeface="Times New Roman" panose="02020603050405020304" pitchFamily="18" charset="0"/>
+                <a:cs typeface="Times New Roman" panose="02020603050405020304" pitchFamily="18" charset="0"/>
+              </a:rPr>
+              <a:t>images</a:t>
+            </a:r>
+            <a:r>
+              <a:rPr lang="ru-RU" sz="1800" dirty="0">
+                <a:solidFill>
+                  <a:srgbClr val="000000"/>
+                </a:solidFill>
+                <a:effectLst/>
+                <a:latin typeface="Times New Roman" panose="02020603050405020304" pitchFamily="18" charset="0"/>
+                <a:ea typeface="Times New Roman" panose="02020603050405020304" pitchFamily="18" charset="0"/>
+                <a:cs typeface="Times New Roman" panose="02020603050405020304" pitchFamily="18" charset="0"/>
+              </a:rPr>
+              <a:t> – содержит в себе картинки доски и фигур</a:t>
+            </a:r>
+            <a:endParaRPr lang="ru-RU" sz="1800" dirty="0">
+              <a:effectLst/>
+              <a:latin typeface="Calibri" panose="020F0502020204030204" pitchFamily="34" charset="0"/>
+              <a:ea typeface="Times New Roman" panose="02020603050405020304" pitchFamily="18" charset="0"/>
+              <a:cs typeface="Times New Roman" panose="02020603050405020304" pitchFamily="18" charset="0"/>
+            </a:endParaRPr>
+          </a:p>
+          <a:p>
+            <a:pPr marL="342900" lvl="0" indent="-342900">
+              <a:lnSpc>
+                <a:spcPct val="150000"/>
+              </a:lnSpc>
+              <a:buFont typeface="Times New Roman" panose="02020603050405020304" pitchFamily="18" charset="0"/>
+              <a:buChar char="‐"/>
+            </a:pPr>
+            <a:r>
+              <a:rPr lang="en-US" sz="1800" dirty="0">
+                <a:solidFill>
+                  <a:srgbClr val="000000"/>
+                </a:solidFill>
+                <a:effectLst/>
+                <a:latin typeface="Times New Roman" panose="02020603050405020304" pitchFamily="18" charset="0"/>
+                <a:ea typeface="Times New Roman" panose="02020603050405020304" pitchFamily="18" charset="0"/>
+                <a:cs typeface="Times New Roman" panose="02020603050405020304" pitchFamily="18" charset="0"/>
+              </a:rPr>
+              <a:t>stockfish_15_win_x64_avx2 – </a:t>
+            </a:r>
+            <a:r>
+              <a:rPr lang="ru-RU" sz="1800" dirty="0">
+                <a:solidFill>
+                  <a:srgbClr val="000000"/>
+                </a:solidFill>
+                <a:effectLst/>
+                <a:latin typeface="Times New Roman" panose="02020603050405020304" pitchFamily="18" charset="0"/>
+                <a:ea typeface="Times New Roman" panose="02020603050405020304" pitchFamily="18" charset="0"/>
+                <a:cs typeface="Times New Roman" panose="02020603050405020304" pitchFamily="18" charset="0"/>
+              </a:rPr>
+              <a:t>движок </a:t>
+            </a:r>
+            <a:r>
+              <a:rPr lang="en-US" sz="1800" dirty="0">
+                <a:solidFill>
+                  <a:srgbClr val="000000"/>
+                </a:solidFill>
+                <a:effectLst/>
+                <a:latin typeface="Times New Roman" panose="02020603050405020304" pitchFamily="18" charset="0"/>
+                <a:ea typeface="Times New Roman" panose="02020603050405020304" pitchFamily="18" charset="0"/>
+                <a:cs typeface="Times New Roman" panose="02020603050405020304" pitchFamily="18" charset="0"/>
+              </a:rPr>
+              <a:t>stockfish</a:t>
+            </a:r>
+            <a:endParaRPr lang="ru-RU" sz="1800" dirty="0">
+              <a:effectLst/>
+              <a:latin typeface="Calibri" panose="020F0502020204030204" pitchFamily="34" charset="0"/>
+              <a:ea typeface="Times New Roman" panose="02020603050405020304" pitchFamily="18" charset="0"/>
+              <a:cs typeface="Times New Roman" panose="02020603050405020304" pitchFamily="18" charset="0"/>
+            </a:endParaRPr>
+          </a:p>
+          <a:p>
+            <a:pPr marL="342900" lvl="0" indent="-342900">
+              <a:lnSpc>
+                <a:spcPct val="150000"/>
+              </a:lnSpc>
+              <a:buFont typeface="Times New Roman" panose="02020603050405020304" pitchFamily="18" charset="0"/>
+              <a:buChar char="‐"/>
+            </a:pPr>
+            <a:r>
+              <a:rPr lang="en-US" sz="1800" dirty="0">
+                <a:solidFill>
+                  <a:srgbClr val="000000"/>
+                </a:solidFill>
+                <a:effectLst/>
+                <a:latin typeface="Times New Roman" panose="02020603050405020304" pitchFamily="18" charset="0"/>
+                <a:ea typeface="Times New Roman" panose="02020603050405020304" pitchFamily="18" charset="0"/>
+                <a:cs typeface="Times New Roman" panose="02020603050405020304" pitchFamily="18" charset="0"/>
+              </a:rPr>
+              <a:t>design</a:t>
+            </a:r>
+            <a:r>
+              <a:rPr lang="ru-RU" sz="1800" dirty="0">
+                <a:solidFill>
+                  <a:srgbClr val="000000"/>
+                </a:solidFill>
+                <a:effectLst/>
+                <a:latin typeface="Times New Roman" panose="02020603050405020304" pitchFamily="18" charset="0"/>
+                <a:ea typeface="Times New Roman" panose="02020603050405020304" pitchFamily="18" charset="0"/>
+                <a:cs typeface="Times New Roman" panose="02020603050405020304" pitchFamily="18" charset="0"/>
+              </a:rPr>
+              <a:t>.</a:t>
+            </a:r>
+            <a:r>
+              <a:rPr lang="en-US" sz="1800" dirty="0" err="1">
+                <a:solidFill>
+                  <a:srgbClr val="000000"/>
+                </a:solidFill>
+                <a:effectLst/>
+                <a:latin typeface="Times New Roman" panose="02020603050405020304" pitchFamily="18" charset="0"/>
+                <a:ea typeface="Times New Roman" panose="02020603050405020304" pitchFamily="18" charset="0"/>
+                <a:cs typeface="Times New Roman" panose="02020603050405020304" pitchFamily="18" charset="0"/>
+              </a:rPr>
+              <a:t>ui</a:t>
+            </a:r>
+            <a:r>
+              <a:rPr lang="ru-RU" sz="1800" dirty="0">
+                <a:solidFill>
+                  <a:srgbClr val="000000"/>
+                </a:solidFill>
+                <a:effectLst/>
+                <a:latin typeface="Times New Roman" panose="02020603050405020304" pitchFamily="18" charset="0"/>
+                <a:ea typeface="Times New Roman" panose="02020603050405020304" pitchFamily="18" charset="0"/>
+                <a:cs typeface="Times New Roman" panose="02020603050405020304" pitchFamily="18" charset="0"/>
+              </a:rPr>
+              <a:t> – файл с дизайном программы</a:t>
+            </a:r>
+            <a:endParaRPr lang="ru-RU" sz="1800" dirty="0">
+              <a:effectLst/>
+              <a:latin typeface="Calibri" panose="020F0502020204030204" pitchFamily="34" charset="0"/>
+              <a:ea typeface="Times New Roman" panose="02020603050405020304" pitchFamily="18" charset="0"/>
+              <a:cs typeface="Times New Roman" panose="02020603050405020304" pitchFamily="18" charset="0"/>
+            </a:endParaRPr>
+          </a:p>
+          <a:p>
+            <a:pPr marL="342900" lvl="0" indent="-342900">
+              <a:lnSpc>
+                <a:spcPct val="150000"/>
+              </a:lnSpc>
+              <a:spcAft>
+                <a:spcPts val="800"/>
+              </a:spcAft>
+              <a:buFont typeface="Times New Roman" panose="02020603050405020304" pitchFamily="18" charset="0"/>
+              <a:buChar char="‐"/>
+            </a:pPr>
+            <a:r>
+              <a:rPr lang="en-US" sz="1800" dirty="0">
+                <a:solidFill>
+                  <a:srgbClr val="000000"/>
+                </a:solidFill>
+                <a:effectLst/>
+                <a:latin typeface="Times New Roman" panose="02020603050405020304" pitchFamily="18" charset="0"/>
+                <a:ea typeface="Times New Roman" panose="02020603050405020304" pitchFamily="18" charset="0"/>
+                <a:cs typeface="Times New Roman" panose="02020603050405020304" pitchFamily="18" charset="0"/>
+              </a:rPr>
+              <a:t>fast</a:t>
+            </a:r>
+            <a:r>
+              <a:rPr lang="ru-RU" sz="1800" dirty="0">
+                <a:solidFill>
+                  <a:srgbClr val="000000"/>
+                </a:solidFill>
+                <a:effectLst/>
+                <a:latin typeface="Times New Roman" panose="02020603050405020304" pitchFamily="18" charset="0"/>
+                <a:ea typeface="Times New Roman" panose="02020603050405020304" pitchFamily="18" charset="0"/>
+                <a:cs typeface="Times New Roman" panose="02020603050405020304" pitchFamily="18" charset="0"/>
+              </a:rPr>
+              <a:t>-</a:t>
+            </a:r>
+            <a:r>
+              <a:rPr lang="en-US" sz="1800" dirty="0">
+                <a:solidFill>
+                  <a:srgbClr val="000000"/>
+                </a:solidFill>
+                <a:effectLst/>
+                <a:latin typeface="Times New Roman" panose="02020603050405020304" pitchFamily="18" charset="0"/>
+                <a:ea typeface="Times New Roman" panose="02020603050405020304" pitchFamily="18" charset="0"/>
+                <a:cs typeface="Times New Roman" panose="02020603050405020304" pitchFamily="18" charset="0"/>
+              </a:rPr>
+              <a:t>chess</a:t>
+            </a:r>
+            <a:r>
+              <a:rPr lang="ru-RU" sz="1800" dirty="0">
+                <a:solidFill>
+                  <a:srgbClr val="000000"/>
+                </a:solidFill>
+                <a:effectLst/>
+                <a:latin typeface="Times New Roman" panose="02020603050405020304" pitchFamily="18" charset="0"/>
+                <a:ea typeface="Times New Roman" panose="02020603050405020304" pitchFamily="18" charset="0"/>
+                <a:cs typeface="Times New Roman" panose="02020603050405020304" pitchFamily="18" charset="0"/>
+              </a:rPr>
+              <a:t>-</a:t>
+            </a:r>
+            <a:r>
+              <a:rPr lang="en-US" sz="1800" dirty="0">
+                <a:solidFill>
+                  <a:srgbClr val="000000"/>
+                </a:solidFill>
+                <a:effectLst/>
+                <a:latin typeface="Times New Roman" panose="02020603050405020304" pitchFamily="18" charset="0"/>
+                <a:ea typeface="Times New Roman" panose="02020603050405020304" pitchFamily="18" charset="0"/>
+                <a:cs typeface="Times New Roman" panose="02020603050405020304" pitchFamily="18" charset="0"/>
+              </a:rPr>
+              <a:t>ai</a:t>
+            </a:r>
+            <a:r>
+              <a:rPr lang="ru-RU" sz="1800" dirty="0">
+                <a:solidFill>
+                  <a:srgbClr val="000000"/>
+                </a:solidFill>
+                <a:effectLst/>
+                <a:latin typeface="Times New Roman" panose="02020603050405020304" pitchFamily="18" charset="0"/>
+                <a:ea typeface="Times New Roman" panose="02020603050405020304" pitchFamily="18" charset="0"/>
+                <a:cs typeface="Times New Roman" panose="02020603050405020304" pitchFamily="18" charset="0"/>
+              </a:rPr>
+              <a:t>.</a:t>
+            </a:r>
+            <a:r>
+              <a:rPr lang="en-US" sz="1800" dirty="0" err="1">
+                <a:solidFill>
+                  <a:srgbClr val="000000"/>
+                </a:solidFill>
+                <a:effectLst/>
+                <a:latin typeface="Times New Roman" panose="02020603050405020304" pitchFamily="18" charset="0"/>
+                <a:ea typeface="Times New Roman" panose="02020603050405020304" pitchFamily="18" charset="0"/>
+                <a:cs typeface="Times New Roman" panose="02020603050405020304" pitchFamily="18" charset="0"/>
+              </a:rPr>
+              <a:t>py</a:t>
+            </a:r>
+            <a:r>
+              <a:rPr lang="ru-RU" sz="1800" dirty="0">
+                <a:solidFill>
+                  <a:srgbClr val="000000"/>
+                </a:solidFill>
+                <a:effectLst/>
+                <a:latin typeface="Times New Roman" panose="02020603050405020304" pitchFamily="18" charset="0"/>
+                <a:ea typeface="Times New Roman" panose="02020603050405020304" pitchFamily="18" charset="0"/>
+                <a:cs typeface="Times New Roman" panose="02020603050405020304" pitchFamily="18" charset="0"/>
+              </a:rPr>
+              <a:t> – исполняемый файл проекта</a:t>
+            </a:r>
+            <a:endParaRPr lang="ru-RU" sz="1800" dirty="0">
+              <a:effectLst/>
+              <a:latin typeface="Calibri" panose="020F0502020204030204" pitchFamily="34" charset="0"/>
+              <a:ea typeface="Times New Roman" panose="02020603050405020304" pitchFamily="18" charset="0"/>
+              <a:cs typeface="Times New Roman" panose="02020603050405020304" pitchFamily="18" charset="0"/>
+            </a:endParaRPr>
+          </a:p>
+        </p:txBody>
+      </p:sp>
+      <p:pic>
+        <p:nvPicPr>
+          <p:cNvPr id="6" name="Рисунок 5">
+            <a:extLst>
+              <a:ext uri="{FF2B5EF4-FFF2-40B4-BE49-F238E27FC236}">
+                <a16:creationId xmlns:a16="http://schemas.microsoft.com/office/drawing/2014/main" id="{890A6226-E5FF-3FB6-0BF4-741EFA3DEC8F}"/>
+              </a:ext>
+            </a:extLst>
+          </p:cNvPr>
+          <p:cNvPicPr>
+            <a:picLocks noChangeAspect="1"/>
+          </p:cNvPicPr>
+          <p:nvPr/>
+        </p:nvPicPr>
+        <p:blipFill>
+          <a:blip r:embed="rId2"/>
+          <a:stretch>
+            <a:fillRect/>
+          </a:stretch>
+        </p:blipFill>
+        <p:spPr>
+          <a:xfrm>
+            <a:off x="831850" y="2119704"/>
+            <a:ext cx="10426335" cy="1511264"/>
+          </a:xfrm>
+          <a:prstGeom prst="rect">
+            <a:avLst/>
+          </a:prstGeom>
+        </p:spPr>
+      </p:pic>
     </p:spTree>
     <p:extLst>
       <p:ext uri="{BB962C8B-B14F-4D97-AF65-F5344CB8AC3E}">
@@ -4089,182 +4675,533 @@
           <p:cNvPr id="2" name="Заголовок 1">
             <a:extLst>
               <a:ext uri="{FF2B5EF4-FFF2-40B4-BE49-F238E27FC236}">
-                <a16:creationId xmlns:a16="http://schemas.microsoft.com/office/drawing/2014/main" id="{AA5DA1AD-7407-85A1-2C25-490587B91CC4}"/>
-              </a:ext>
-            </a:extLst>
-          </p:cNvPr>
-          <p:cNvSpPr>
-            <a:spLocks noGrp="1"/>
-          </p:cNvSpPr>
-          <p:nvPr>
-            <p:ph type="ctrTitle"/>
+                <a16:creationId xmlns:a16="http://schemas.microsoft.com/office/drawing/2014/main" id="{458F8950-641E-019A-759A-1615498E041E}"/>
+              </a:ext>
+            </a:extLst>
+          </p:cNvPr>
+          <p:cNvSpPr>
+            <a:spLocks noGrp="1"/>
+          </p:cNvSpPr>
+          <p:nvPr>
+            <p:ph type="title"/>
           </p:nvPr>
         </p:nvSpPr>
         <p:spPr>
           <a:xfrm>
-            <a:off x="1524000" y="545314"/>
-            <a:ext cx="9144000" cy="768581"/>
+            <a:off x="838200" y="329615"/>
+            <a:ext cx="10515600" cy="1325563"/>
           </a:xfrm>
         </p:spPr>
         <p:txBody>
           <a:bodyPr>
-            <a:normAutofit fontScale="90000"/>
-          </a:bodyPr>
-          <a:lstStyle/>
-          <a:p>
-            <a:r>
-              <a:rPr lang="ru-RU" dirty="0">
-                <a:latin typeface="Times New Roman" panose="02020603050405020304" pitchFamily="18" charset="0"/>
-                <a:cs typeface="Times New Roman" panose="02020603050405020304" pitchFamily="18" charset="0"/>
-              </a:rPr>
-              <a:t>Заключение</a:t>
-            </a:r>
-          </a:p>
-        </p:txBody>
-      </p:sp>
-      <p:sp>
-        <p:nvSpPr>
-          <p:cNvPr id="3" name="Подзаголовок 2">
-            <a:extLst>
-              <a:ext uri="{FF2B5EF4-FFF2-40B4-BE49-F238E27FC236}">
-                <a16:creationId xmlns:a16="http://schemas.microsoft.com/office/drawing/2014/main" id="{B26106AD-2DF1-FAB0-5023-3E13506CE1D3}"/>
-              </a:ext>
-            </a:extLst>
-          </p:cNvPr>
-          <p:cNvSpPr>
-            <a:spLocks noGrp="1"/>
-          </p:cNvSpPr>
-          <p:nvPr>
-            <p:ph type="subTitle" idx="1"/>
-          </p:nvPr>
-        </p:nvSpPr>
-        <p:spPr>
-          <a:xfrm>
-            <a:off x="1524000" y="1642369"/>
-            <a:ext cx="9144000" cy="4802819"/>
-          </a:xfrm>
-        </p:spPr>
-        <p:txBody>
-          <a:bodyPr vert="horz" lIns="91440" tIns="45720" rIns="91440" bIns="45720" rtlCol="0" anchor="t">
             <a:normAutofit/>
           </a:bodyPr>
           <a:lstStyle/>
           <a:p>
-            <a:pPr algn="l">
+            <a:pPr>
+              <a:lnSpc>
+                <a:spcPct val="100000"/>
+              </a:lnSpc>
+            </a:pPr>
+            <a:r>
+              <a:rPr lang="ru-RU" sz="2800" dirty="0">
+                <a:solidFill>
+                  <a:srgbClr val="000000"/>
+                </a:solidFill>
+                <a:effectLst/>
+                <a:latin typeface="Times New Roman" panose="02020603050405020304" pitchFamily="18" charset="0"/>
+                <a:ea typeface="Times New Roman" panose="02020603050405020304" pitchFamily="18" charset="0"/>
+                <a:cs typeface="Times New Roman" panose="02020603050405020304" pitchFamily="18" charset="0"/>
+              </a:rPr>
+              <a:t>Классом игры самой является </a:t>
+            </a:r>
+            <a:r>
+              <a:rPr lang="en-US" sz="2800" dirty="0">
+                <a:solidFill>
+                  <a:srgbClr val="000000"/>
+                </a:solidFill>
+                <a:effectLst/>
+                <a:latin typeface="Times New Roman" panose="02020603050405020304" pitchFamily="18" charset="0"/>
+                <a:ea typeface="Times New Roman" panose="02020603050405020304" pitchFamily="18" charset="0"/>
+                <a:cs typeface="Times New Roman" panose="02020603050405020304" pitchFamily="18" charset="0"/>
+              </a:rPr>
+              <a:t>class Board</a:t>
+            </a:r>
+            <a:r>
+              <a:rPr lang="ru-RU" sz="2800" dirty="0">
+                <a:solidFill>
+                  <a:srgbClr val="000000"/>
+                </a:solidFill>
+                <a:effectLst/>
+                <a:latin typeface="Times New Roman" panose="02020603050405020304" pitchFamily="18" charset="0"/>
+                <a:ea typeface="Times New Roman" panose="02020603050405020304" pitchFamily="18" charset="0"/>
+                <a:cs typeface="Times New Roman" panose="02020603050405020304" pitchFamily="18" charset="0"/>
+              </a:rPr>
+              <a:t>. Он отвечает за логику программы и  включает в себя следующие функции:</a:t>
+            </a:r>
+            <a:endParaRPr lang="ru-RU" sz="6000" dirty="0"/>
+          </a:p>
+        </p:txBody>
+      </p:sp>
+      <p:sp>
+        <p:nvSpPr>
+          <p:cNvPr id="4" name="TextBox 3">
+            <a:extLst>
+              <a:ext uri="{FF2B5EF4-FFF2-40B4-BE49-F238E27FC236}">
+                <a16:creationId xmlns:a16="http://schemas.microsoft.com/office/drawing/2014/main" id="{0AD43523-0188-F129-F5B5-C53B7E5D5795}"/>
+              </a:ext>
+            </a:extLst>
+          </p:cNvPr>
+          <p:cNvSpPr txBox="1"/>
+          <p:nvPr/>
+        </p:nvSpPr>
+        <p:spPr>
+          <a:xfrm>
+            <a:off x="838200" y="1792760"/>
+            <a:ext cx="9552374" cy="3736279"/>
+          </a:xfrm>
+          <a:prstGeom prst="rect">
+            <a:avLst/>
+          </a:prstGeom>
+          <a:noFill/>
+        </p:spPr>
+        <p:txBody>
+          <a:bodyPr wrap="square">
+            <a:spAutoFit/>
+          </a:bodyPr>
+          <a:lstStyle/>
+          <a:p>
+            <a:pPr marL="342900" lvl="0" indent="-342900">
               <a:lnSpc>
                 <a:spcPct val="150000"/>
               </a:lnSpc>
+              <a:buFont typeface="Symbol" panose="05050102010706020507" pitchFamily="18" charset="2"/>
+              <a:buChar char=""/>
             </a:pPr>
             <a:r>
-              <a:rPr lang="ru-RU" dirty="0">
-                <a:latin typeface="Times New Roman" panose="02020603050405020304" pitchFamily="18" charset="0"/>
-                <a:cs typeface="Times New Roman" panose="02020603050405020304" pitchFamily="18" charset="0"/>
-              </a:rPr>
-              <a:t>	Итак, проект получился достаточно интересным, сложным и полезным для развития.</a:t>
-            </a:r>
-            <a:endParaRPr lang="ru-RU"/>
-          </a:p>
-          <a:p>
-            <a:pPr algn="l">
+              <a:rPr lang="ru-RU" sz="2000" dirty="0">
+                <a:solidFill>
+                  <a:srgbClr val="000000"/>
+                </a:solidFill>
+                <a:effectLst/>
+                <a:latin typeface="Times New Roman" panose="02020603050405020304" pitchFamily="18" charset="0"/>
+                <a:ea typeface="Times New Roman" panose="02020603050405020304" pitchFamily="18" charset="0"/>
+                <a:cs typeface="Times New Roman" panose="02020603050405020304" pitchFamily="18" charset="0"/>
+              </a:rPr>
+              <a:t>__</a:t>
+            </a:r>
+            <a:r>
+              <a:rPr lang="en-US" sz="2000" dirty="0" err="1">
+                <a:solidFill>
+                  <a:srgbClr val="000000"/>
+                </a:solidFill>
+                <a:effectLst/>
+                <a:latin typeface="Times New Roman" panose="02020603050405020304" pitchFamily="18" charset="0"/>
+                <a:ea typeface="Times New Roman" panose="02020603050405020304" pitchFamily="18" charset="0"/>
+                <a:cs typeface="Times New Roman" panose="02020603050405020304" pitchFamily="18" charset="0"/>
+              </a:rPr>
+              <a:t>init</a:t>
+            </a:r>
+            <a:r>
+              <a:rPr lang="ru-RU" sz="2000" dirty="0">
+                <a:solidFill>
+                  <a:srgbClr val="000000"/>
+                </a:solidFill>
+                <a:effectLst/>
+                <a:latin typeface="Times New Roman" panose="02020603050405020304" pitchFamily="18" charset="0"/>
+                <a:ea typeface="Times New Roman" panose="02020603050405020304" pitchFamily="18" charset="0"/>
+                <a:cs typeface="Times New Roman" panose="02020603050405020304" pitchFamily="18" charset="0"/>
+              </a:rPr>
+              <a:t>__ – инициализация игрового поля и фигур</a:t>
+            </a:r>
+            <a:endParaRPr lang="ru-RU" sz="2000" dirty="0">
+              <a:effectLst/>
+              <a:latin typeface="Calibri" panose="020F0502020204030204" pitchFamily="34" charset="0"/>
+              <a:ea typeface="Times New Roman" panose="02020603050405020304" pitchFamily="18" charset="0"/>
+              <a:cs typeface="Times New Roman" panose="02020603050405020304" pitchFamily="18" charset="0"/>
+            </a:endParaRPr>
+          </a:p>
+          <a:p>
+            <a:pPr marL="342900" lvl="0" indent="-342900">
               <a:lnSpc>
                 <a:spcPct val="150000"/>
               </a:lnSpc>
+              <a:buFont typeface="Symbol" panose="05050102010706020507" pitchFamily="18" charset="2"/>
+              <a:buChar char=""/>
             </a:pPr>
             <a:r>
-              <a:rPr lang="ru-RU" dirty="0">
-                <a:latin typeface="Times New Roman"/>
-                <a:cs typeface="Times New Roman"/>
-              </a:rPr>
-              <a:t>	Буду рад тестам и поискам багов в нём.</a:t>
-            </a:r>
-          </a:p>
-          <a:p>
-            <a:pPr algn="l">
+              <a:rPr lang="en-US" sz="2000" dirty="0">
+                <a:solidFill>
+                  <a:srgbClr val="000000"/>
+                </a:solidFill>
+                <a:effectLst/>
+                <a:latin typeface="Times New Roman" panose="02020603050405020304" pitchFamily="18" charset="0"/>
+                <a:ea typeface="Times New Roman" panose="02020603050405020304" pitchFamily="18" charset="0"/>
+                <a:cs typeface="Times New Roman" panose="02020603050405020304" pitchFamily="18" charset="0"/>
+              </a:rPr>
+              <a:t>castling</a:t>
+            </a:r>
+            <a:r>
+              <a:rPr lang="ru-RU" sz="2000" dirty="0">
+                <a:solidFill>
+                  <a:srgbClr val="000000"/>
+                </a:solidFill>
+                <a:effectLst/>
+                <a:latin typeface="Times New Roman" panose="02020603050405020304" pitchFamily="18" charset="0"/>
+                <a:ea typeface="Times New Roman" panose="02020603050405020304" pitchFamily="18" charset="0"/>
+                <a:cs typeface="Times New Roman" panose="02020603050405020304" pitchFamily="18" charset="0"/>
+              </a:rPr>
+              <a:t>0 – рокировка с ладьёй слева</a:t>
+            </a:r>
+            <a:endParaRPr lang="ru-RU" sz="2000" dirty="0">
+              <a:effectLst/>
+              <a:latin typeface="Calibri" panose="020F0502020204030204" pitchFamily="34" charset="0"/>
+              <a:ea typeface="Times New Roman" panose="02020603050405020304" pitchFamily="18" charset="0"/>
+              <a:cs typeface="Times New Roman" panose="02020603050405020304" pitchFamily="18" charset="0"/>
+            </a:endParaRPr>
+          </a:p>
+          <a:p>
+            <a:pPr marL="342900" lvl="0" indent="-342900">
               <a:lnSpc>
                 <a:spcPct val="150000"/>
               </a:lnSpc>
+              <a:buFont typeface="Symbol" panose="05050102010706020507" pitchFamily="18" charset="2"/>
+              <a:buChar char=""/>
             </a:pPr>
             <a:r>
-              <a:rPr lang="ru-RU" dirty="0">
-                <a:latin typeface="Times New Roman"/>
-                <a:cs typeface="Times New Roman"/>
-              </a:rPr>
-              <a:t>	Проект можно посмотреть и скачать на моём </a:t>
-            </a:r>
-            <a:r>
-              <a:rPr lang="en-US" dirty="0">
-                <a:latin typeface="Times New Roman"/>
-                <a:cs typeface="Times New Roman"/>
-              </a:rPr>
-              <a:t>GitHub</a:t>
-            </a:r>
-            <a:r>
-              <a:rPr lang="ru-RU" dirty="0">
-                <a:latin typeface="Times New Roman"/>
-                <a:cs typeface="Times New Roman"/>
-              </a:rPr>
-              <a:t> (</a:t>
-            </a:r>
-            <a:r>
-              <a:rPr lang="ru-RU" dirty="0" err="1">
-                <a:latin typeface="Times New Roman"/>
-                <a:ea typeface="+mn-lt"/>
-                <a:cs typeface="+mn-lt"/>
-              </a:rPr>
-              <a:t>https</a:t>
-            </a:r>
-            <a:r>
-              <a:rPr lang="ru-RU" dirty="0">
-                <a:latin typeface="Times New Roman"/>
-                <a:ea typeface="+mn-lt"/>
-                <a:cs typeface="+mn-lt"/>
-              </a:rPr>
-              <a:t>://github.com/</a:t>
-            </a:r>
-            <a:r>
-              <a:rPr lang="ru-RU" dirty="0" err="1">
-                <a:latin typeface="Times New Roman"/>
-                <a:ea typeface="+mn-lt"/>
-                <a:cs typeface="+mn-lt"/>
-              </a:rPr>
-              <a:t>MatveyZhikharev</a:t>
-            </a:r>
-            <a:r>
-              <a:rPr lang="ru-RU" dirty="0">
-                <a:latin typeface="Times New Roman"/>
-                <a:ea typeface="+mn-lt"/>
-                <a:cs typeface="+mn-lt"/>
-              </a:rPr>
-              <a:t>/</a:t>
-            </a:r>
-            <a:r>
-              <a:rPr lang="ru-RU" dirty="0" err="1">
-                <a:latin typeface="Times New Roman"/>
-                <a:ea typeface="+mn-lt"/>
-                <a:cs typeface="+mn-lt"/>
-              </a:rPr>
-              <a:t>Chess_PyQt</a:t>
-            </a:r>
-            <a:r>
-              <a:rPr lang="ru-RU" dirty="0">
-                <a:latin typeface="Times New Roman"/>
-                <a:cs typeface="Times New Roman"/>
-              </a:rPr>
-              <a:t>)</a:t>
-            </a:r>
-            <a:endParaRPr lang="en-US" dirty="0">
-              <a:latin typeface="Times New Roman"/>
-              <a:cs typeface="Times New Roman"/>
+              <a:rPr lang="en-US" sz="2000" dirty="0">
+                <a:solidFill>
+                  <a:srgbClr val="000000"/>
+                </a:solidFill>
+                <a:effectLst/>
+                <a:latin typeface="Times New Roman" panose="02020603050405020304" pitchFamily="18" charset="0"/>
+                <a:ea typeface="Times New Roman" panose="02020603050405020304" pitchFamily="18" charset="0"/>
+                <a:cs typeface="Times New Roman" panose="02020603050405020304" pitchFamily="18" charset="0"/>
+              </a:rPr>
+              <a:t>castling</a:t>
+            </a:r>
+            <a:r>
+              <a:rPr lang="ru-RU" sz="2000" dirty="0">
+                <a:solidFill>
+                  <a:srgbClr val="000000"/>
+                </a:solidFill>
+                <a:effectLst/>
+                <a:latin typeface="Times New Roman" panose="02020603050405020304" pitchFamily="18" charset="0"/>
+                <a:ea typeface="Times New Roman" panose="02020603050405020304" pitchFamily="18" charset="0"/>
+                <a:cs typeface="Times New Roman" panose="02020603050405020304" pitchFamily="18" charset="0"/>
+              </a:rPr>
+              <a:t>7 – рокировка с ладьёй справа</a:t>
+            </a:r>
+            <a:endParaRPr lang="ru-RU" sz="2000" dirty="0">
+              <a:effectLst/>
+              <a:latin typeface="Calibri" panose="020F0502020204030204" pitchFamily="34" charset="0"/>
+              <a:ea typeface="Times New Roman" panose="02020603050405020304" pitchFamily="18" charset="0"/>
+              <a:cs typeface="Times New Roman" panose="02020603050405020304" pitchFamily="18" charset="0"/>
             </a:endParaRPr>
           </a:p>
           <a:p>
-            <a:pPr algn="l">
+            <a:pPr marL="342900" lvl="0" indent="-342900">
               <a:lnSpc>
                 <a:spcPct val="150000"/>
               </a:lnSpc>
+              <a:buFont typeface="Symbol" panose="05050102010706020507" pitchFamily="18" charset="2"/>
+              <a:buChar char=""/>
             </a:pPr>
-            <a:endParaRPr lang="ru-RU" dirty="0">
-              <a:latin typeface="Times New Roman" panose="02020603050405020304" pitchFamily="18" charset="0"/>
+            <a:r>
+              <a:rPr lang="en-US" sz="2000" dirty="0">
+                <a:solidFill>
+                  <a:srgbClr val="000000"/>
+                </a:solidFill>
+                <a:effectLst/>
+                <a:latin typeface="Times New Roman" panose="02020603050405020304" pitchFamily="18" charset="0"/>
+                <a:ea typeface="Times New Roman" panose="02020603050405020304" pitchFamily="18" charset="0"/>
+                <a:cs typeface="Times New Roman" panose="02020603050405020304" pitchFamily="18" charset="0"/>
+              </a:rPr>
+              <a:t>cell </a:t>
+            </a:r>
+            <a:r>
+              <a:rPr lang="ru-RU" sz="2000" dirty="0">
+                <a:solidFill>
+                  <a:srgbClr val="000000"/>
+                </a:solidFill>
+                <a:effectLst/>
+                <a:latin typeface="Times New Roman" panose="02020603050405020304" pitchFamily="18" charset="0"/>
+                <a:ea typeface="Times New Roman" panose="02020603050405020304" pitchFamily="18" charset="0"/>
+                <a:cs typeface="Times New Roman" panose="02020603050405020304" pitchFamily="18" charset="0"/>
+              </a:rPr>
+              <a:t>– функция для определения фигуры на клетке</a:t>
+            </a:r>
+            <a:endParaRPr lang="ru-RU" sz="2000" dirty="0">
+              <a:effectLst/>
+              <a:latin typeface="Calibri" panose="020F0502020204030204" pitchFamily="34" charset="0"/>
+              <a:ea typeface="Times New Roman" panose="02020603050405020304" pitchFamily="18" charset="0"/>
+              <a:cs typeface="Times New Roman" panose="02020603050405020304" pitchFamily="18" charset="0"/>
+            </a:endParaRPr>
+          </a:p>
+          <a:p>
+            <a:pPr marL="342900" lvl="0" indent="-342900">
+              <a:lnSpc>
+                <a:spcPct val="150000"/>
+              </a:lnSpc>
+              <a:buFont typeface="Symbol" panose="05050102010706020507" pitchFamily="18" charset="2"/>
+              <a:buChar char=""/>
+            </a:pPr>
+            <a:r>
+              <a:rPr lang="en-US" sz="2000" dirty="0">
+                <a:solidFill>
+                  <a:srgbClr val="000000"/>
+                </a:solidFill>
+                <a:effectLst/>
+                <a:latin typeface="Times New Roman" panose="02020603050405020304" pitchFamily="18" charset="0"/>
+                <a:ea typeface="Times New Roman" panose="02020603050405020304" pitchFamily="18" charset="0"/>
+                <a:cs typeface="Times New Roman" panose="02020603050405020304" pitchFamily="18" charset="0"/>
+              </a:rPr>
+              <a:t>move</a:t>
+            </a:r>
+            <a:r>
+              <a:rPr lang="ru-RU" sz="2000" dirty="0">
+                <a:solidFill>
+                  <a:srgbClr val="000000"/>
+                </a:solidFill>
+                <a:effectLst/>
+                <a:latin typeface="Times New Roman" panose="02020603050405020304" pitchFamily="18" charset="0"/>
+                <a:ea typeface="Times New Roman" panose="02020603050405020304" pitchFamily="18" charset="0"/>
+                <a:cs typeface="Times New Roman" panose="02020603050405020304" pitchFamily="18" charset="0"/>
+              </a:rPr>
+              <a:t>_</a:t>
+            </a:r>
+            <a:r>
+              <a:rPr lang="en-US" sz="2000" dirty="0">
+                <a:solidFill>
+                  <a:srgbClr val="000000"/>
+                </a:solidFill>
+                <a:effectLst/>
+                <a:latin typeface="Times New Roman" panose="02020603050405020304" pitchFamily="18" charset="0"/>
+                <a:ea typeface="Times New Roman" panose="02020603050405020304" pitchFamily="18" charset="0"/>
+                <a:cs typeface="Times New Roman" panose="02020603050405020304" pitchFamily="18" charset="0"/>
+              </a:rPr>
+              <a:t>piece </a:t>
+            </a:r>
+            <a:r>
+              <a:rPr lang="ru-RU" sz="2000" dirty="0">
+                <a:solidFill>
+                  <a:srgbClr val="000000"/>
+                </a:solidFill>
+                <a:effectLst/>
+                <a:latin typeface="Times New Roman" panose="02020603050405020304" pitchFamily="18" charset="0"/>
+                <a:ea typeface="Times New Roman" panose="02020603050405020304" pitchFamily="18" charset="0"/>
+                <a:cs typeface="Times New Roman" panose="02020603050405020304" pitchFamily="18" charset="0"/>
+              </a:rPr>
+              <a:t>– функция для перемещения фигуры</a:t>
+            </a:r>
+            <a:endParaRPr lang="ru-RU" sz="2000" dirty="0">
+              <a:effectLst/>
+              <a:latin typeface="Calibri" panose="020F0502020204030204" pitchFamily="34" charset="0"/>
+              <a:ea typeface="Times New Roman" panose="02020603050405020304" pitchFamily="18" charset="0"/>
+              <a:cs typeface="Times New Roman" panose="02020603050405020304" pitchFamily="18" charset="0"/>
+            </a:endParaRPr>
+          </a:p>
+          <a:p>
+            <a:pPr marL="342900" lvl="0" indent="-342900">
+              <a:lnSpc>
+                <a:spcPct val="150000"/>
+              </a:lnSpc>
+              <a:buFont typeface="Symbol" panose="05050102010706020507" pitchFamily="18" charset="2"/>
+              <a:buChar char=""/>
+            </a:pPr>
+            <a:r>
+              <a:rPr lang="en-US" sz="2000" dirty="0">
+                <a:solidFill>
+                  <a:srgbClr val="000000"/>
+                </a:solidFill>
+                <a:effectLst/>
+                <a:latin typeface="Times New Roman" panose="02020603050405020304" pitchFamily="18" charset="0"/>
+                <a:ea typeface="Times New Roman" panose="02020603050405020304" pitchFamily="18" charset="0"/>
+                <a:cs typeface="Times New Roman" panose="02020603050405020304" pitchFamily="18" charset="0"/>
+              </a:rPr>
+              <a:t>get</a:t>
+            </a:r>
+            <a:r>
+              <a:rPr lang="ru-RU" sz="2000" dirty="0">
+                <a:solidFill>
+                  <a:srgbClr val="000000"/>
+                </a:solidFill>
+                <a:effectLst/>
+                <a:latin typeface="Times New Roman" panose="02020603050405020304" pitchFamily="18" charset="0"/>
+                <a:ea typeface="Times New Roman" panose="02020603050405020304" pitchFamily="18" charset="0"/>
+                <a:cs typeface="Times New Roman" panose="02020603050405020304" pitchFamily="18" charset="0"/>
+              </a:rPr>
+              <a:t>_</a:t>
+            </a:r>
+            <a:r>
+              <a:rPr lang="en-US" sz="2000" dirty="0">
+                <a:solidFill>
+                  <a:srgbClr val="000000"/>
+                </a:solidFill>
+                <a:effectLst/>
+                <a:latin typeface="Times New Roman" panose="02020603050405020304" pitchFamily="18" charset="0"/>
+                <a:ea typeface="Times New Roman" panose="02020603050405020304" pitchFamily="18" charset="0"/>
+                <a:cs typeface="Times New Roman" panose="02020603050405020304" pitchFamily="18" charset="0"/>
+              </a:rPr>
+              <a:t>piece </a:t>
+            </a:r>
+            <a:r>
+              <a:rPr lang="ru-RU" sz="2000" dirty="0">
+                <a:solidFill>
+                  <a:srgbClr val="000000"/>
+                </a:solidFill>
+                <a:effectLst/>
+                <a:latin typeface="Times New Roman" panose="02020603050405020304" pitchFamily="18" charset="0"/>
+                <a:ea typeface="Times New Roman" panose="02020603050405020304" pitchFamily="18" charset="0"/>
+                <a:cs typeface="Times New Roman" panose="02020603050405020304" pitchFamily="18" charset="0"/>
+              </a:rPr>
+              <a:t>– функция, возвращающая сокращённое название фигуры</a:t>
+            </a:r>
+            <a:endParaRPr lang="ru-RU" sz="2000" dirty="0">
+              <a:effectLst/>
+              <a:latin typeface="Calibri" panose="020F0502020204030204" pitchFamily="34" charset="0"/>
+              <a:ea typeface="Times New Roman" panose="02020603050405020304" pitchFamily="18" charset="0"/>
+              <a:cs typeface="Times New Roman" panose="02020603050405020304" pitchFamily="18" charset="0"/>
+            </a:endParaRPr>
+          </a:p>
+          <a:p>
+            <a:pPr marL="342900" lvl="0" indent="-342900">
+              <a:lnSpc>
+                <a:spcPct val="150000"/>
+              </a:lnSpc>
+              <a:buFont typeface="Symbol" panose="05050102010706020507" pitchFamily="18" charset="2"/>
+              <a:buChar char=""/>
+            </a:pPr>
+            <a:r>
+              <a:rPr lang="en-US" sz="2000" dirty="0" err="1">
+                <a:solidFill>
+                  <a:srgbClr val="000000"/>
+                </a:solidFill>
+                <a:effectLst/>
+                <a:latin typeface="Times New Roman" panose="02020603050405020304" pitchFamily="18" charset="0"/>
+                <a:ea typeface="Times New Roman" panose="02020603050405020304" pitchFamily="18" charset="0"/>
+                <a:cs typeface="Times New Roman" panose="02020603050405020304" pitchFamily="18" charset="0"/>
+              </a:rPr>
+              <a:t>king_is_under_attack</a:t>
+            </a:r>
+            <a:r>
+              <a:rPr lang="en-US" sz="2000" dirty="0">
+                <a:solidFill>
+                  <a:srgbClr val="000000"/>
+                </a:solidFill>
+                <a:effectLst/>
+                <a:latin typeface="Times New Roman" panose="02020603050405020304" pitchFamily="18" charset="0"/>
+                <a:ea typeface="Times New Roman" panose="02020603050405020304" pitchFamily="18" charset="0"/>
+                <a:cs typeface="Times New Roman" panose="02020603050405020304" pitchFamily="18" charset="0"/>
+              </a:rPr>
+              <a:t> – </a:t>
+            </a:r>
+            <a:r>
+              <a:rPr lang="ru-RU" sz="2000" dirty="0">
+                <a:solidFill>
+                  <a:srgbClr val="000000"/>
+                </a:solidFill>
+                <a:effectLst/>
+                <a:latin typeface="Times New Roman" panose="02020603050405020304" pitchFamily="18" charset="0"/>
+                <a:ea typeface="Times New Roman" panose="02020603050405020304" pitchFamily="18" charset="0"/>
+                <a:cs typeface="Times New Roman" panose="02020603050405020304" pitchFamily="18" charset="0"/>
+              </a:rPr>
+              <a:t>проверка на шах</a:t>
+            </a:r>
+            <a:endParaRPr lang="ru-RU" sz="2000" dirty="0">
+              <a:effectLst/>
+              <a:latin typeface="Calibri" panose="020F0502020204030204" pitchFamily="34" charset="0"/>
+              <a:ea typeface="Times New Roman" panose="02020603050405020304" pitchFamily="18" charset="0"/>
+              <a:cs typeface="Times New Roman" panose="02020603050405020304" pitchFamily="18" charset="0"/>
+            </a:endParaRPr>
+          </a:p>
+          <a:p>
+            <a:pPr marL="342900" lvl="0" indent="-342900">
+              <a:lnSpc>
+                <a:spcPct val="150000"/>
+              </a:lnSpc>
+              <a:spcAft>
+                <a:spcPts val="800"/>
+              </a:spcAft>
+              <a:buFont typeface="Symbol" panose="05050102010706020507" pitchFamily="18" charset="2"/>
+              <a:buChar char=""/>
+            </a:pPr>
+            <a:r>
+              <a:rPr lang="en-US" sz="2000" dirty="0">
+                <a:solidFill>
+                  <a:srgbClr val="000000"/>
+                </a:solidFill>
+                <a:effectLst/>
+                <a:latin typeface="Times New Roman" panose="02020603050405020304" pitchFamily="18" charset="0"/>
+                <a:ea typeface="Times New Roman" panose="02020603050405020304" pitchFamily="18" charset="0"/>
+                <a:cs typeface="Times New Roman" panose="02020603050405020304" pitchFamily="18" charset="0"/>
+              </a:rPr>
+              <a:t>is</a:t>
+            </a:r>
+            <a:r>
+              <a:rPr lang="ru-RU" sz="2000" dirty="0">
+                <a:solidFill>
+                  <a:srgbClr val="000000"/>
+                </a:solidFill>
+                <a:effectLst/>
+                <a:latin typeface="Times New Roman" panose="02020603050405020304" pitchFamily="18" charset="0"/>
+                <a:ea typeface="Times New Roman" panose="02020603050405020304" pitchFamily="18" charset="0"/>
+                <a:cs typeface="Times New Roman" panose="02020603050405020304" pitchFamily="18" charset="0"/>
+              </a:rPr>
+              <a:t>_</a:t>
+            </a:r>
+            <a:r>
+              <a:rPr lang="en-US" sz="2000" dirty="0">
+                <a:solidFill>
+                  <a:srgbClr val="000000"/>
+                </a:solidFill>
+                <a:effectLst/>
+                <a:latin typeface="Times New Roman" panose="02020603050405020304" pitchFamily="18" charset="0"/>
+                <a:ea typeface="Times New Roman" panose="02020603050405020304" pitchFamily="18" charset="0"/>
+                <a:cs typeface="Times New Roman" panose="02020603050405020304" pitchFamily="18" charset="0"/>
+              </a:rPr>
+              <a:t>under</a:t>
+            </a:r>
+            <a:r>
+              <a:rPr lang="ru-RU" sz="2000" dirty="0">
+                <a:solidFill>
+                  <a:srgbClr val="000000"/>
+                </a:solidFill>
+                <a:effectLst/>
+                <a:latin typeface="Times New Roman" panose="02020603050405020304" pitchFamily="18" charset="0"/>
+                <a:ea typeface="Times New Roman" panose="02020603050405020304" pitchFamily="18" charset="0"/>
+                <a:cs typeface="Times New Roman" panose="02020603050405020304" pitchFamily="18" charset="0"/>
+              </a:rPr>
+              <a:t>_</a:t>
+            </a:r>
+            <a:r>
+              <a:rPr lang="en-US" sz="2000" dirty="0">
+                <a:solidFill>
+                  <a:srgbClr val="000000"/>
+                </a:solidFill>
+                <a:effectLst/>
+                <a:latin typeface="Times New Roman" panose="02020603050405020304" pitchFamily="18" charset="0"/>
+                <a:ea typeface="Times New Roman" panose="02020603050405020304" pitchFamily="18" charset="0"/>
+                <a:cs typeface="Times New Roman" panose="02020603050405020304" pitchFamily="18" charset="0"/>
+              </a:rPr>
+              <a:t>attack </a:t>
+            </a:r>
+            <a:r>
+              <a:rPr lang="ru-RU" sz="2000" dirty="0">
+                <a:solidFill>
+                  <a:srgbClr val="000000"/>
+                </a:solidFill>
+                <a:effectLst/>
+                <a:latin typeface="Times New Roman" panose="02020603050405020304" pitchFamily="18" charset="0"/>
+                <a:ea typeface="Times New Roman" panose="02020603050405020304" pitchFamily="18" charset="0"/>
+                <a:cs typeface="Times New Roman" panose="02020603050405020304" pitchFamily="18" charset="0"/>
+              </a:rPr>
+              <a:t>– проверка безопасности следующего хода (ограничение короля)</a:t>
+            </a:r>
+            <a:endParaRPr lang="ru-RU" sz="2000" dirty="0">
+              <a:effectLst/>
+              <a:latin typeface="Calibri" panose="020F0502020204030204" pitchFamily="34" charset="0"/>
+              <a:ea typeface="Times New Roman" panose="02020603050405020304" pitchFamily="18" charset="0"/>
               <a:cs typeface="Times New Roman" panose="02020603050405020304" pitchFamily="18" charset="0"/>
             </a:endParaRPr>
           </a:p>
@@ -4273,7 +5210,7 @@
     </p:spTree>
     <p:extLst>
       <p:ext uri="{BB962C8B-B14F-4D97-AF65-F5344CB8AC3E}">
-        <p14:creationId xmlns:p14="http://schemas.microsoft.com/office/powerpoint/2010/main" val="2126180481"/>
+        <p14:creationId xmlns:p14="http://schemas.microsoft.com/office/powerpoint/2010/main" val="2098513404"/>
       </p:ext>
     </p:extLst>
   </p:cSld>
@@ -4305,7 +5242,7 @@
           <p:cNvPr id="2" name="Заголовок 1">
             <a:extLst>
               <a:ext uri="{FF2B5EF4-FFF2-40B4-BE49-F238E27FC236}">
-                <a16:creationId xmlns:a16="http://schemas.microsoft.com/office/drawing/2014/main" id="{451EDCE4-0B7C-113A-11FD-4A31F79EB118}"/>
+                <a16:creationId xmlns:a16="http://schemas.microsoft.com/office/drawing/2014/main" id="{F9F1F233-9244-FFBC-FBBB-79F425EB862F}"/>
               </a:ext>
             </a:extLst>
           </p:cNvPr>
@@ -4316,33 +5253,1747 @@
             <p:ph type="title"/>
           </p:nvPr>
         </p:nvSpPr>
-        <p:spPr>
-          <a:xfrm>
-            <a:off x="776056" y="2486889"/>
-            <a:ext cx="10515600" cy="1325563"/>
-          </a:xfrm>
-        </p:spPr>
+        <p:spPr/>
         <p:txBody>
           <a:bodyPr>
             <a:normAutofit/>
           </a:bodyPr>
           <a:lstStyle/>
           <a:p>
-            <a:pPr algn="ctr"/>
-            <a:r>
-              <a:rPr lang="ru-RU" sz="6000" dirty="0">
-                <a:latin typeface="Times New Roman" panose="02020603050405020304" pitchFamily="18" charset="0"/>
-                <a:cs typeface="Times New Roman" panose="02020603050405020304" pitchFamily="18" charset="0"/>
-              </a:rPr>
-              <a:t>Спасибо за внимание!</a:t>
-            </a:r>
-          </a:p>
-        </p:txBody>
-      </p:sp>
+            <a:r>
+              <a:rPr lang="ru-RU" sz="2800" dirty="0">
+                <a:solidFill>
+                  <a:srgbClr val="000000"/>
+                </a:solidFill>
+                <a:effectLst/>
+                <a:latin typeface="Times New Roman" panose="02020603050405020304" pitchFamily="18" charset="0"/>
+                <a:ea typeface="Times New Roman" panose="02020603050405020304" pitchFamily="18" charset="0"/>
+                <a:cs typeface="Times New Roman" panose="02020603050405020304" pitchFamily="18" charset="0"/>
+              </a:rPr>
+              <a:t>На доске расположены фигуры одинаковой структуры класса, включающие следующие функции:</a:t>
+            </a:r>
+            <a:endParaRPr lang="ru-RU" sz="6000" dirty="0"/>
+          </a:p>
+        </p:txBody>
+      </p:sp>
+      <p:sp>
+        <p:nvSpPr>
+          <p:cNvPr id="4" name="TextBox 3">
+            <a:extLst>
+              <a:ext uri="{FF2B5EF4-FFF2-40B4-BE49-F238E27FC236}">
+                <a16:creationId xmlns:a16="http://schemas.microsoft.com/office/drawing/2014/main" id="{1AAF7CB2-A266-9EE9-6410-09ACA47B210F}"/>
+              </a:ext>
+            </a:extLst>
+          </p:cNvPr>
+          <p:cNvSpPr txBox="1"/>
+          <p:nvPr/>
+        </p:nvSpPr>
+        <p:spPr>
+          <a:xfrm>
+            <a:off x="838200" y="1690688"/>
+            <a:ext cx="8209625" cy="4402744"/>
+          </a:xfrm>
+          <a:prstGeom prst="rect">
+            <a:avLst/>
+          </a:prstGeom>
+          <a:noFill/>
+        </p:spPr>
+        <p:txBody>
+          <a:bodyPr wrap="square">
+            <a:spAutoFit/>
+          </a:bodyPr>
+          <a:lstStyle/>
+          <a:p>
+            <a:pPr marL="342900" lvl="0" indent="-342900">
+              <a:lnSpc>
+                <a:spcPct val="150000"/>
+              </a:lnSpc>
+              <a:buFont typeface="Symbol" panose="05050102010706020507" pitchFamily="18" charset="2"/>
+              <a:buChar char=""/>
+            </a:pPr>
+            <a:r>
+              <a:rPr lang="ru-RU" sz="1800" dirty="0">
+                <a:solidFill>
+                  <a:srgbClr val="000000"/>
+                </a:solidFill>
+                <a:effectLst/>
+                <a:latin typeface="Times New Roman" panose="02020603050405020304" pitchFamily="18" charset="0"/>
+                <a:ea typeface="Times New Roman" panose="02020603050405020304" pitchFamily="18" charset="0"/>
+                <a:cs typeface="Times New Roman" panose="02020603050405020304" pitchFamily="18" charset="0"/>
+              </a:rPr>
+              <a:t>__</a:t>
+            </a:r>
+            <a:r>
+              <a:rPr lang="en-US" sz="1800" dirty="0" err="1">
+                <a:solidFill>
+                  <a:srgbClr val="000000"/>
+                </a:solidFill>
+                <a:effectLst/>
+                <a:latin typeface="Times New Roman" panose="02020603050405020304" pitchFamily="18" charset="0"/>
+                <a:ea typeface="Times New Roman" panose="02020603050405020304" pitchFamily="18" charset="0"/>
+                <a:cs typeface="Times New Roman" panose="02020603050405020304" pitchFamily="18" charset="0"/>
+              </a:rPr>
+              <a:t>init</a:t>
+            </a:r>
+            <a:r>
+              <a:rPr lang="ru-RU" sz="1800" dirty="0">
+                <a:solidFill>
+                  <a:srgbClr val="000000"/>
+                </a:solidFill>
+                <a:effectLst/>
+                <a:latin typeface="Times New Roman" panose="02020603050405020304" pitchFamily="18" charset="0"/>
+                <a:ea typeface="Times New Roman" panose="02020603050405020304" pitchFamily="18" charset="0"/>
+                <a:cs typeface="Times New Roman" panose="02020603050405020304" pitchFamily="18" charset="0"/>
+              </a:rPr>
+              <a:t>__ – для инициализации цвета фигуры</a:t>
+            </a:r>
+            <a:endParaRPr lang="ru-RU" sz="1400" dirty="0">
+              <a:effectLst/>
+              <a:latin typeface="Calibri" panose="020F0502020204030204" pitchFamily="34" charset="0"/>
+              <a:ea typeface="Times New Roman" panose="02020603050405020304" pitchFamily="18" charset="0"/>
+              <a:cs typeface="Times New Roman" panose="02020603050405020304" pitchFamily="18" charset="0"/>
+            </a:endParaRPr>
+          </a:p>
+          <a:p>
+            <a:pPr marL="342900" lvl="0" indent="-342900">
+              <a:lnSpc>
+                <a:spcPct val="150000"/>
+              </a:lnSpc>
+              <a:buFont typeface="Symbol" panose="05050102010706020507" pitchFamily="18" charset="2"/>
+              <a:buChar char=""/>
+            </a:pPr>
+            <a:r>
+              <a:rPr lang="en-US" sz="1800" dirty="0">
+                <a:solidFill>
+                  <a:srgbClr val="000000"/>
+                </a:solidFill>
+                <a:effectLst/>
+                <a:latin typeface="Times New Roman" panose="02020603050405020304" pitchFamily="18" charset="0"/>
+                <a:ea typeface="Times New Roman" panose="02020603050405020304" pitchFamily="18" charset="0"/>
+                <a:cs typeface="Times New Roman" panose="02020603050405020304" pitchFamily="18" charset="0"/>
+              </a:rPr>
+              <a:t>get</a:t>
+            </a:r>
+            <a:r>
+              <a:rPr lang="ru-RU" sz="1800" dirty="0">
+                <a:solidFill>
+                  <a:srgbClr val="000000"/>
+                </a:solidFill>
+                <a:effectLst/>
+                <a:latin typeface="Times New Roman" panose="02020603050405020304" pitchFamily="18" charset="0"/>
+                <a:ea typeface="Times New Roman" panose="02020603050405020304" pitchFamily="18" charset="0"/>
+                <a:cs typeface="Times New Roman" panose="02020603050405020304" pitchFamily="18" charset="0"/>
+              </a:rPr>
+              <a:t>_</a:t>
+            </a:r>
+            <a:r>
+              <a:rPr lang="en-US" sz="1800" dirty="0">
+                <a:solidFill>
+                  <a:srgbClr val="000000"/>
+                </a:solidFill>
+                <a:effectLst/>
+                <a:latin typeface="Times New Roman" panose="02020603050405020304" pitchFamily="18" charset="0"/>
+                <a:ea typeface="Times New Roman" panose="02020603050405020304" pitchFamily="18" charset="0"/>
+                <a:cs typeface="Times New Roman" panose="02020603050405020304" pitchFamily="18" charset="0"/>
+              </a:rPr>
+              <a:t>color </a:t>
+            </a:r>
+            <a:r>
+              <a:rPr lang="ru-RU" sz="1800" dirty="0">
+                <a:solidFill>
+                  <a:srgbClr val="000000"/>
+                </a:solidFill>
+                <a:effectLst/>
+                <a:latin typeface="Times New Roman" panose="02020603050405020304" pitchFamily="18" charset="0"/>
+                <a:ea typeface="Times New Roman" panose="02020603050405020304" pitchFamily="18" charset="0"/>
+                <a:cs typeface="Times New Roman" panose="02020603050405020304" pitchFamily="18" charset="0"/>
+              </a:rPr>
+              <a:t>– для получения цвета фигуры</a:t>
+            </a:r>
+            <a:endParaRPr lang="ru-RU" sz="1400" dirty="0">
+              <a:effectLst/>
+              <a:latin typeface="Calibri" panose="020F0502020204030204" pitchFamily="34" charset="0"/>
+              <a:ea typeface="Times New Roman" panose="02020603050405020304" pitchFamily="18" charset="0"/>
+              <a:cs typeface="Times New Roman" panose="02020603050405020304" pitchFamily="18" charset="0"/>
+            </a:endParaRPr>
+          </a:p>
+          <a:p>
+            <a:pPr marL="342900" lvl="0" indent="-342900">
+              <a:lnSpc>
+                <a:spcPct val="150000"/>
+              </a:lnSpc>
+              <a:buFont typeface="Symbol" panose="05050102010706020507" pitchFamily="18" charset="2"/>
+              <a:buChar char=""/>
+            </a:pPr>
+            <a:r>
+              <a:rPr lang="en-US" sz="1800" dirty="0">
+                <a:solidFill>
+                  <a:srgbClr val="000000"/>
+                </a:solidFill>
+                <a:effectLst/>
+                <a:latin typeface="Times New Roman" panose="02020603050405020304" pitchFamily="18" charset="0"/>
+                <a:ea typeface="Times New Roman" panose="02020603050405020304" pitchFamily="18" charset="0"/>
+                <a:cs typeface="Times New Roman" panose="02020603050405020304" pitchFamily="18" charset="0"/>
+              </a:rPr>
+              <a:t>char </a:t>
+            </a:r>
+            <a:r>
+              <a:rPr lang="ru-RU" sz="1800" dirty="0">
+                <a:solidFill>
+                  <a:srgbClr val="000000"/>
+                </a:solidFill>
+                <a:effectLst/>
+                <a:latin typeface="Times New Roman" panose="02020603050405020304" pitchFamily="18" charset="0"/>
+                <a:ea typeface="Times New Roman" panose="02020603050405020304" pitchFamily="18" charset="0"/>
+                <a:cs typeface="Times New Roman" panose="02020603050405020304" pitchFamily="18" charset="0"/>
+              </a:rPr>
+              <a:t>– для получения сокращённого названия фигуры</a:t>
+            </a:r>
+            <a:endParaRPr lang="ru-RU" sz="1400" dirty="0">
+              <a:effectLst/>
+              <a:latin typeface="Calibri" panose="020F0502020204030204" pitchFamily="34" charset="0"/>
+              <a:ea typeface="Times New Roman" panose="02020603050405020304" pitchFamily="18" charset="0"/>
+              <a:cs typeface="Times New Roman" panose="02020603050405020304" pitchFamily="18" charset="0"/>
+            </a:endParaRPr>
+          </a:p>
+          <a:p>
+            <a:pPr marL="342900" lvl="0" indent="-342900">
+              <a:lnSpc>
+                <a:spcPct val="150000"/>
+              </a:lnSpc>
+              <a:spcAft>
+                <a:spcPts val="800"/>
+              </a:spcAft>
+              <a:buFont typeface="Symbol" panose="05050102010706020507" pitchFamily="18" charset="2"/>
+              <a:buChar char=""/>
+            </a:pPr>
+            <a:r>
+              <a:rPr lang="en-US" sz="1800" dirty="0">
+                <a:solidFill>
+                  <a:srgbClr val="000000"/>
+                </a:solidFill>
+                <a:effectLst/>
+                <a:latin typeface="Times New Roman" panose="02020603050405020304" pitchFamily="18" charset="0"/>
+                <a:ea typeface="Times New Roman" panose="02020603050405020304" pitchFamily="18" charset="0"/>
+                <a:cs typeface="Times New Roman" panose="02020603050405020304" pitchFamily="18" charset="0"/>
+              </a:rPr>
+              <a:t>can</a:t>
+            </a:r>
+            <a:r>
+              <a:rPr lang="ru-RU" sz="1800" dirty="0">
+                <a:solidFill>
+                  <a:srgbClr val="000000"/>
+                </a:solidFill>
+                <a:effectLst/>
+                <a:latin typeface="Times New Roman" panose="02020603050405020304" pitchFamily="18" charset="0"/>
+                <a:ea typeface="Times New Roman" panose="02020603050405020304" pitchFamily="18" charset="0"/>
+                <a:cs typeface="Times New Roman" panose="02020603050405020304" pitchFamily="18" charset="0"/>
+              </a:rPr>
+              <a:t>_</a:t>
+            </a:r>
+            <a:r>
+              <a:rPr lang="en-US" sz="1800" dirty="0">
+                <a:solidFill>
+                  <a:srgbClr val="000000"/>
+                </a:solidFill>
+                <a:effectLst/>
+                <a:latin typeface="Times New Roman" panose="02020603050405020304" pitchFamily="18" charset="0"/>
+                <a:ea typeface="Times New Roman" panose="02020603050405020304" pitchFamily="18" charset="0"/>
+                <a:cs typeface="Times New Roman" panose="02020603050405020304" pitchFamily="18" charset="0"/>
+              </a:rPr>
+              <a:t>move </a:t>
+            </a:r>
+            <a:r>
+              <a:rPr lang="ru-RU" sz="1800" dirty="0">
+                <a:solidFill>
+                  <a:srgbClr val="000000"/>
+                </a:solidFill>
+                <a:effectLst/>
+                <a:latin typeface="Times New Roman" panose="02020603050405020304" pitchFamily="18" charset="0"/>
+                <a:ea typeface="Times New Roman" panose="02020603050405020304" pitchFamily="18" charset="0"/>
+                <a:cs typeface="Times New Roman" panose="02020603050405020304" pitchFamily="18" charset="0"/>
+              </a:rPr>
+              <a:t>– для проверки фигуры на возможность перемещения в клетку</a:t>
+            </a:r>
+          </a:p>
+          <a:p>
+            <a:pPr lvl="0">
+              <a:lnSpc>
+                <a:spcPct val="150000"/>
+              </a:lnSpc>
+              <a:spcAft>
+                <a:spcPts val="800"/>
+              </a:spcAft>
+            </a:pPr>
+            <a:r>
+              <a:rPr lang="ru-RU" dirty="0">
+                <a:solidFill>
+                  <a:srgbClr val="000000"/>
+                </a:solidFill>
+                <a:latin typeface="Times New Roman" panose="02020603050405020304" pitchFamily="18" charset="0"/>
+                <a:ea typeface="Times New Roman" panose="02020603050405020304" pitchFamily="18" charset="0"/>
+                <a:cs typeface="Times New Roman" panose="02020603050405020304" pitchFamily="18" charset="0"/>
+              </a:rPr>
+              <a:t>	Каждая фигура имеет картинку, определяющую её внешний вид. На доске находятся объекты </a:t>
+            </a:r>
+            <a:r>
+              <a:rPr lang="en-US" dirty="0" err="1">
+                <a:solidFill>
+                  <a:srgbClr val="000000"/>
+                </a:solidFill>
+                <a:latin typeface="Times New Roman" panose="02020603050405020304" pitchFamily="18" charset="0"/>
+                <a:ea typeface="Times New Roman" panose="02020603050405020304" pitchFamily="18" charset="0"/>
+                <a:cs typeface="Times New Roman" panose="02020603050405020304" pitchFamily="18" charset="0"/>
+              </a:rPr>
+              <a:t>QLabel</a:t>
+            </a:r>
+            <a:r>
+              <a:rPr lang="en-US" dirty="0">
+                <a:solidFill>
+                  <a:srgbClr val="000000"/>
+                </a:solidFill>
+                <a:latin typeface="Times New Roman" panose="02020603050405020304" pitchFamily="18" charset="0"/>
+                <a:ea typeface="Times New Roman" panose="02020603050405020304" pitchFamily="18" charset="0"/>
+                <a:cs typeface="Times New Roman" panose="02020603050405020304" pitchFamily="18" charset="0"/>
+              </a:rPr>
+              <a:t> </a:t>
+            </a:r>
+            <a:r>
+              <a:rPr lang="ru-RU" dirty="0">
+                <a:solidFill>
+                  <a:srgbClr val="000000"/>
+                </a:solidFill>
+                <a:latin typeface="Times New Roman" panose="02020603050405020304" pitchFamily="18" charset="0"/>
+                <a:ea typeface="Times New Roman" panose="02020603050405020304" pitchFamily="18" charset="0"/>
+                <a:cs typeface="Times New Roman" panose="02020603050405020304" pitchFamily="18" charset="0"/>
+              </a:rPr>
+              <a:t>с </a:t>
+            </a:r>
+            <a:r>
+              <a:rPr lang="en-US" dirty="0" err="1">
+                <a:solidFill>
+                  <a:srgbClr val="000000"/>
+                </a:solidFill>
+                <a:latin typeface="Times New Roman" panose="02020603050405020304" pitchFamily="18" charset="0"/>
+                <a:ea typeface="Times New Roman" panose="02020603050405020304" pitchFamily="18" charset="0"/>
+                <a:cs typeface="Times New Roman" panose="02020603050405020304" pitchFamily="18" charset="0"/>
+              </a:rPr>
+              <a:t>QPixmap</a:t>
+            </a:r>
+            <a:r>
+              <a:rPr lang="en-US" dirty="0">
+                <a:solidFill>
+                  <a:srgbClr val="000000"/>
+                </a:solidFill>
+                <a:latin typeface="Times New Roman" panose="02020603050405020304" pitchFamily="18" charset="0"/>
+                <a:ea typeface="Times New Roman" panose="02020603050405020304" pitchFamily="18" charset="0"/>
+                <a:cs typeface="Times New Roman" panose="02020603050405020304" pitchFamily="18" charset="0"/>
+              </a:rPr>
+              <a:t> </a:t>
+            </a:r>
+            <a:r>
+              <a:rPr lang="ru-RU" dirty="0">
+                <a:solidFill>
+                  <a:srgbClr val="000000"/>
+                </a:solidFill>
+                <a:latin typeface="Times New Roman" panose="02020603050405020304" pitchFamily="18" charset="0"/>
+                <a:ea typeface="Times New Roman" panose="02020603050405020304" pitchFamily="18" charset="0"/>
+                <a:cs typeface="Times New Roman" panose="02020603050405020304" pitchFamily="18" charset="0"/>
+              </a:rPr>
+              <a:t>с необходимым изображением.</a:t>
+            </a:r>
+          </a:p>
+          <a:p>
+            <a:pPr lvl="0">
+              <a:lnSpc>
+                <a:spcPct val="150000"/>
+              </a:lnSpc>
+              <a:spcAft>
+                <a:spcPts val="800"/>
+              </a:spcAft>
+            </a:pPr>
+            <a:r>
+              <a:rPr lang="ru-RU" dirty="0">
+                <a:solidFill>
+                  <a:srgbClr val="000000"/>
+                </a:solidFill>
+                <a:latin typeface="Times New Roman" panose="02020603050405020304" pitchFamily="18" charset="0"/>
+                <a:ea typeface="Times New Roman" panose="02020603050405020304" pitchFamily="18" charset="0"/>
+                <a:cs typeface="Times New Roman" panose="02020603050405020304" pitchFamily="18" charset="0"/>
+              </a:rPr>
+              <a:t>	После отпускания кнопки мыши, срабатывает </a:t>
+            </a:r>
+            <a:r>
+              <a:rPr lang="en-US" dirty="0" err="1">
+                <a:solidFill>
+                  <a:srgbClr val="000000"/>
+                </a:solidFill>
+                <a:latin typeface="Times New Roman" panose="02020603050405020304" pitchFamily="18" charset="0"/>
+                <a:ea typeface="Times New Roman" panose="02020603050405020304" pitchFamily="18" charset="0"/>
+                <a:cs typeface="Times New Roman" panose="02020603050405020304" pitchFamily="18" charset="0"/>
+              </a:rPr>
+              <a:t>mouseReleaseEvent</a:t>
+            </a:r>
+            <a:r>
+              <a:rPr lang="en-US" dirty="0">
+                <a:solidFill>
+                  <a:srgbClr val="000000"/>
+                </a:solidFill>
+                <a:latin typeface="Times New Roman" panose="02020603050405020304" pitchFamily="18" charset="0"/>
+                <a:ea typeface="Times New Roman" panose="02020603050405020304" pitchFamily="18" charset="0"/>
+                <a:cs typeface="Times New Roman" panose="02020603050405020304" pitchFamily="18" charset="0"/>
+              </a:rPr>
+              <a:t>, </a:t>
+            </a:r>
+            <a:r>
+              <a:rPr lang="ru-RU" dirty="0">
+                <a:solidFill>
+                  <a:srgbClr val="000000"/>
+                </a:solidFill>
+                <a:latin typeface="Times New Roman" panose="02020603050405020304" pitchFamily="18" charset="0"/>
+                <a:ea typeface="Times New Roman" panose="02020603050405020304" pitchFamily="18" charset="0"/>
+                <a:cs typeface="Times New Roman" panose="02020603050405020304" pitchFamily="18" charset="0"/>
+              </a:rPr>
+              <a:t>после чего координаты курсора обрабатываются функцией </a:t>
+            </a:r>
+            <a:r>
+              <a:rPr lang="en-US" dirty="0" err="1">
+                <a:solidFill>
+                  <a:srgbClr val="000000"/>
+                </a:solidFill>
+                <a:latin typeface="Times New Roman" panose="02020603050405020304" pitchFamily="18" charset="0"/>
+                <a:ea typeface="Times New Roman" panose="02020603050405020304" pitchFamily="18" charset="0"/>
+                <a:cs typeface="Times New Roman" panose="02020603050405020304" pitchFamily="18" charset="0"/>
+              </a:rPr>
+              <a:t>return_cell</a:t>
+            </a:r>
+            <a:r>
+              <a:rPr lang="en-US" dirty="0">
+                <a:solidFill>
+                  <a:srgbClr val="000000"/>
+                </a:solidFill>
+                <a:latin typeface="Times New Roman" panose="02020603050405020304" pitchFamily="18" charset="0"/>
+                <a:ea typeface="Times New Roman" panose="02020603050405020304" pitchFamily="18" charset="0"/>
+                <a:cs typeface="Times New Roman" panose="02020603050405020304" pitchFamily="18" charset="0"/>
+              </a:rPr>
+              <a:t>(x, y) </a:t>
+            </a:r>
+            <a:r>
+              <a:rPr lang="ru-RU" dirty="0">
+                <a:solidFill>
+                  <a:srgbClr val="000000"/>
+                </a:solidFill>
+                <a:latin typeface="Times New Roman" panose="02020603050405020304" pitchFamily="18" charset="0"/>
+                <a:ea typeface="Times New Roman" panose="02020603050405020304" pitchFamily="18" charset="0"/>
+                <a:cs typeface="Times New Roman" panose="02020603050405020304" pitchFamily="18" charset="0"/>
+              </a:rPr>
+              <a:t>или </a:t>
+            </a:r>
+            <a:r>
+              <a:rPr lang="en-US" dirty="0" err="1">
+                <a:solidFill>
+                  <a:srgbClr val="000000"/>
+                </a:solidFill>
+                <a:latin typeface="Times New Roman" panose="02020603050405020304" pitchFamily="18" charset="0"/>
+                <a:ea typeface="Times New Roman" panose="02020603050405020304" pitchFamily="18" charset="0"/>
+                <a:cs typeface="Times New Roman" panose="02020603050405020304" pitchFamily="18" charset="0"/>
+              </a:rPr>
+              <a:t>return_cell_num</a:t>
+            </a:r>
+            <a:r>
+              <a:rPr lang="en-US" dirty="0">
+                <a:solidFill>
+                  <a:srgbClr val="000000"/>
+                </a:solidFill>
+                <a:latin typeface="Times New Roman" panose="02020603050405020304" pitchFamily="18" charset="0"/>
+                <a:ea typeface="Times New Roman" panose="02020603050405020304" pitchFamily="18" charset="0"/>
+                <a:cs typeface="Times New Roman" panose="02020603050405020304" pitchFamily="18" charset="0"/>
+              </a:rPr>
+              <a:t>(x, y)</a:t>
+            </a:r>
+            <a:r>
+              <a:rPr lang="ru-RU" dirty="0">
+                <a:solidFill>
+                  <a:srgbClr val="000000"/>
+                </a:solidFill>
+                <a:latin typeface="Times New Roman" panose="02020603050405020304" pitchFamily="18" charset="0"/>
+                <a:ea typeface="Times New Roman" panose="02020603050405020304" pitchFamily="18" charset="0"/>
+                <a:cs typeface="Times New Roman" panose="02020603050405020304" pitchFamily="18" charset="0"/>
+              </a:rPr>
+              <a:t> и отправляются в </a:t>
+            </a:r>
+            <a:r>
+              <a:rPr lang="en-US" dirty="0" err="1">
+                <a:solidFill>
+                  <a:srgbClr val="000000"/>
+                </a:solidFill>
+                <a:latin typeface="Times New Roman" panose="02020603050405020304" pitchFamily="18" charset="0"/>
+                <a:ea typeface="Times New Roman" panose="02020603050405020304" pitchFamily="18" charset="0"/>
+                <a:cs typeface="Times New Roman" panose="02020603050405020304" pitchFamily="18" charset="0"/>
+              </a:rPr>
+              <a:t>move_piece</a:t>
+            </a:r>
+            <a:r>
+              <a:rPr lang="en-US" dirty="0">
+                <a:solidFill>
+                  <a:srgbClr val="000000"/>
+                </a:solidFill>
+                <a:latin typeface="Times New Roman" panose="02020603050405020304" pitchFamily="18" charset="0"/>
+                <a:ea typeface="Times New Roman" panose="02020603050405020304" pitchFamily="18" charset="0"/>
+                <a:cs typeface="Times New Roman" panose="02020603050405020304" pitchFamily="18" charset="0"/>
+              </a:rPr>
+              <a:t>()</a:t>
+            </a:r>
+            <a:r>
+              <a:rPr lang="ru-RU" dirty="0">
+                <a:solidFill>
+                  <a:srgbClr val="000000"/>
+                </a:solidFill>
+                <a:latin typeface="Times New Roman" panose="02020603050405020304" pitchFamily="18" charset="0"/>
+                <a:ea typeface="Times New Roman" panose="02020603050405020304" pitchFamily="18" charset="0"/>
+                <a:cs typeface="Times New Roman" panose="02020603050405020304" pitchFamily="18" charset="0"/>
+              </a:rPr>
+              <a:t>, отвечающую за перемещение фигур.</a:t>
+            </a:r>
+          </a:p>
+        </p:txBody>
+      </p:sp>
+      <p:pic>
+        <p:nvPicPr>
+          <p:cNvPr id="8" name="Рисунок 7">
+            <a:extLst>
+              <a:ext uri="{FF2B5EF4-FFF2-40B4-BE49-F238E27FC236}">
+                <a16:creationId xmlns:a16="http://schemas.microsoft.com/office/drawing/2014/main" id="{5691F23F-AA91-94F9-0AF2-7982AB4D56A1}"/>
+              </a:ext>
+            </a:extLst>
+          </p:cNvPr>
+          <p:cNvPicPr>
+            <a:picLocks noChangeAspect="1"/>
+          </p:cNvPicPr>
+          <p:nvPr/>
+        </p:nvPicPr>
+        <p:blipFill>
+          <a:blip r:embed="rId2">
+            <a:extLst>
+              <a:ext uri="{28A0092B-C50C-407E-A947-70E740481C1C}">
+                <a14:useLocalDpi xmlns:a14="http://schemas.microsoft.com/office/drawing/2010/main" val="0"/>
+              </a:ext>
+            </a:extLst>
+          </a:blip>
+          <a:stretch>
+            <a:fillRect/>
+          </a:stretch>
+        </p:blipFill>
+        <p:spPr>
+          <a:xfrm>
+            <a:off x="10002914" y="1690688"/>
+            <a:ext cx="1759998" cy="4069995"/>
+          </a:xfrm>
+          <a:prstGeom prst="rect">
+            <a:avLst/>
+          </a:prstGeom>
+        </p:spPr>
+      </p:pic>
     </p:spTree>
     <p:extLst>
       <p:ext uri="{BB962C8B-B14F-4D97-AF65-F5344CB8AC3E}">
-        <p14:creationId xmlns:p14="http://schemas.microsoft.com/office/powerpoint/2010/main" val="3133955238"/>
+        <p14:creationId xmlns:p14="http://schemas.microsoft.com/office/powerpoint/2010/main" val="856677796"/>
+      </p:ext>
+    </p:extLst>
+  </p:cSld>
+  <p:clrMapOvr>
+    <a:masterClrMapping/>
+  </p:clrMapOvr>
+</p:sld>
+</file>
+
+<file path=ppt/slides/slide7.xml><?xml version="1.0" encoding="utf-8"?>
+<p:sld xmlns:a="http://schemas.openxmlformats.org/drawingml/2006/main" xmlns:r="http://schemas.openxmlformats.org/officeDocument/2006/relationships" xmlns:p="http://schemas.openxmlformats.org/presentationml/2006/main">
+  <p:cSld>
+    <p:spTree>
+      <p:nvGrpSpPr>
+        <p:cNvPr id="1" name=""/>
+        <p:cNvGrpSpPr/>
+        <p:nvPr/>
+      </p:nvGrpSpPr>
+      <p:grpSpPr>
+        <a:xfrm>
+          <a:off x="0" y="0"/>
+          <a:ext cx="0" cy="0"/>
+          <a:chOff x="0" y="0"/>
+          <a:chExt cx="0" cy="0"/>
+        </a:xfrm>
+      </p:grpSpPr>
+      <p:sp>
+        <p:nvSpPr>
+          <p:cNvPr id="2" name="Заголовок 1">
+            <a:extLst>
+              <a:ext uri="{FF2B5EF4-FFF2-40B4-BE49-F238E27FC236}">
+                <a16:creationId xmlns:a16="http://schemas.microsoft.com/office/drawing/2014/main" id="{60E3F963-F3D2-D80D-456B-749864D3E748}"/>
+              </a:ext>
+            </a:extLst>
+          </p:cNvPr>
+          <p:cNvSpPr>
+            <a:spLocks noGrp="1"/>
+          </p:cNvSpPr>
+          <p:nvPr>
+            <p:ph type="title"/>
+          </p:nvPr>
+        </p:nvSpPr>
+        <p:spPr/>
+        <p:txBody>
+          <a:bodyPr>
+            <a:normAutofit/>
+          </a:bodyPr>
+          <a:lstStyle/>
+          <a:p>
+            <a:r>
+              <a:rPr lang="ru-RU" sz="2800" dirty="0">
+                <a:solidFill>
+                  <a:srgbClr val="000000"/>
+                </a:solidFill>
+                <a:effectLst/>
+                <a:latin typeface="Times New Roman" panose="02020603050405020304" pitchFamily="18" charset="0"/>
+                <a:ea typeface="Times New Roman" panose="02020603050405020304" pitchFamily="18" charset="0"/>
+                <a:cs typeface="Times New Roman" panose="02020603050405020304" pitchFamily="18" charset="0"/>
+              </a:rPr>
+              <a:t>Классом интерфейса является </a:t>
+            </a:r>
+            <a:r>
+              <a:rPr lang="en-US" sz="2800" dirty="0">
+                <a:solidFill>
+                  <a:srgbClr val="000000"/>
+                </a:solidFill>
+                <a:effectLst/>
+                <a:latin typeface="Times New Roman" panose="02020603050405020304" pitchFamily="18" charset="0"/>
+                <a:ea typeface="Times New Roman" panose="02020603050405020304" pitchFamily="18" charset="0"/>
+                <a:cs typeface="Times New Roman" panose="02020603050405020304" pitchFamily="18" charset="0"/>
+              </a:rPr>
+              <a:t>Chess</a:t>
+            </a:r>
+            <a:r>
+              <a:rPr lang="ru-RU" sz="2800" dirty="0">
+                <a:solidFill>
+                  <a:srgbClr val="000000"/>
+                </a:solidFill>
+                <a:effectLst/>
+                <a:latin typeface="Times New Roman" panose="02020603050405020304" pitchFamily="18" charset="0"/>
+                <a:ea typeface="Times New Roman" panose="02020603050405020304" pitchFamily="18" charset="0"/>
+                <a:cs typeface="Times New Roman" panose="02020603050405020304" pitchFamily="18" charset="0"/>
+              </a:rPr>
+              <a:t>(</a:t>
+            </a:r>
+            <a:r>
+              <a:rPr lang="en-US" sz="2800" dirty="0" err="1">
+                <a:solidFill>
+                  <a:srgbClr val="000000"/>
+                </a:solidFill>
+                <a:effectLst/>
+                <a:latin typeface="Times New Roman" panose="02020603050405020304" pitchFamily="18" charset="0"/>
+                <a:ea typeface="Times New Roman" panose="02020603050405020304" pitchFamily="18" charset="0"/>
+                <a:cs typeface="Times New Roman" panose="02020603050405020304" pitchFamily="18" charset="0"/>
+              </a:rPr>
+              <a:t>QMainWindow</a:t>
+            </a:r>
+            <a:r>
+              <a:rPr lang="ru-RU" sz="2800" dirty="0">
+                <a:solidFill>
+                  <a:srgbClr val="000000"/>
+                </a:solidFill>
+                <a:effectLst/>
+                <a:latin typeface="Times New Roman" panose="02020603050405020304" pitchFamily="18" charset="0"/>
+                <a:ea typeface="Times New Roman" panose="02020603050405020304" pitchFamily="18" charset="0"/>
+                <a:cs typeface="Times New Roman" panose="02020603050405020304" pitchFamily="18" charset="0"/>
+              </a:rPr>
+              <a:t>), он содержит в себе:</a:t>
+            </a:r>
+            <a:endParaRPr lang="ru-RU" sz="2800" dirty="0"/>
+          </a:p>
+        </p:txBody>
+      </p:sp>
+      <p:sp>
+        <p:nvSpPr>
+          <p:cNvPr id="4" name="TextBox 3">
+            <a:extLst>
+              <a:ext uri="{FF2B5EF4-FFF2-40B4-BE49-F238E27FC236}">
+                <a16:creationId xmlns:a16="http://schemas.microsoft.com/office/drawing/2014/main" id="{F37CFDE1-FBFF-8EC2-0F8A-CA45585AEB27}"/>
+              </a:ext>
+            </a:extLst>
+          </p:cNvPr>
+          <p:cNvSpPr txBox="1"/>
+          <p:nvPr/>
+        </p:nvSpPr>
+        <p:spPr>
+          <a:xfrm>
+            <a:off x="838200" y="1319032"/>
+            <a:ext cx="8813306" cy="5449377"/>
+          </a:xfrm>
+          <a:prstGeom prst="rect">
+            <a:avLst/>
+          </a:prstGeom>
+          <a:noFill/>
+        </p:spPr>
+        <p:txBody>
+          <a:bodyPr wrap="square">
+            <a:spAutoFit/>
+          </a:bodyPr>
+          <a:lstStyle/>
+          <a:p>
+            <a:pPr marL="342900" lvl="0" indent="-342900">
+              <a:lnSpc>
+                <a:spcPct val="150000"/>
+              </a:lnSpc>
+              <a:buFont typeface="Symbol" panose="05050102010706020507" pitchFamily="18" charset="2"/>
+              <a:buChar char=""/>
+            </a:pPr>
+            <a:r>
+              <a:rPr lang="en-US" sz="1750" dirty="0">
+                <a:solidFill>
+                  <a:srgbClr val="000000"/>
+                </a:solidFill>
+                <a:effectLst/>
+                <a:latin typeface="Times New Roman" panose="02020603050405020304" pitchFamily="18" charset="0"/>
+                <a:ea typeface="Times New Roman" panose="02020603050405020304" pitchFamily="18" charset="0"/>
+                <a:cs typeface="Times New Roman" panose="02020603050405020304" pitchFamily="18" charset="0"/>
+              </a:rPr>
+              <a:t>__</a:t>
+            </a:r>
+            <a:r>
+              <a:rPr lang="en-US" sz="1750" dirty="0" err="1">
+                <a:solidFill>
+                  <a:srgbClr val="000000"/>
+                </a:solidFill>
+                <a:effectLst/>
+                <a:latin typeface="Times New Roman" panose="02020603050405020304" pitchFamily="18" charset="0"/>
+                <a:ea typeface="Times New Roman" panose="02020603050405020304" pitchFamily="18" charset="0"/>
+                <a:cs typeface="Times New Roman" panose="02020603050405020304" pitchFamily="18" charset="0"/>
+              </a:rPr>
+              <a:t>init</a:t>
+            </a:r>
+            <a:r>
+              <a:rPr lang="en-US" sz="1750" dirty="0">
+                <a:solidFill>
+                  <a:srgbClr val="000000"/>
+                </a:solidFill>
+                <a:effectLst/>
+                <a:latin typeface="Times New Roman" panose="02020603050405020304" pitchFamily="18" charset="0"/>
+                <a:ea typeface="Times New Roman" panose="02020603050405020304" pitchFamily="18" charset="0"/>
+                <a:cs typeface="Times New Roman" panose="02020603050405020304" pitchFamily="18" charset="0"/>
+              </a:rPr>
+              <a:t>__ – </a:t>
+            </a:r>
+            <a:endParaRPr lang="ru-RU" sz="1750" dirty="0">
+              <a:effectLst/>
+              <a:latin typeface="Calibri" panose="020F0502020204030204" pitchFamily="34" charset="0"/>
+              <a:ea typeface="Times New Roman" panose="02020603050405020304" pitchFamily="18" charset="0"/>
+              <a:cs typeface="Times New Roman" panose="02020603050405020304" pitchFamily="18" charset="0"/>
+            </a:endParaRPr>
+          </a:p>
+          <a:p>
+            <a:pPr marL="342900" lvl="0" indent="-342900">
+              <a:lnSpc>
+                <a:spcPct val="150000"/>
+              </a:lnSpc>
+              <a:buFont typeface="Symbol" panose="05050102010706020507" pitchFamily="18" charset="2"/>
+              <a:buChar char=""/>
+            </a:pPr>
+            <a:r>
+              <a:rPr lang="en-US" sz="1750" dirty="0" err="1">
+                <a:solidFill>
+                  <a:srgbClr val="000000"/>
+                </a:solidFill>
+                <a:effectLst/>
+                <a:latin typeface="Times New Roman" panose="02020603050405020304" pitchFamily="18" charset="0"/>
+                <a:ea typeface="Times New Roman" panose="02020603050405020304" pitchFamily="18" charset="0"/>
+                <a:cs typeface="Times New Roman" panose="02020603050405020304" pitchFamily="18" charset="0"/>
+              </a:rPr>
+              <a:t>cor</a:t>
+            </a:r>
+            <a:r>
+              <a:rPr lang="ru-RU" sz="1750" dirty="0">
+                <a:solidFill>
+                  <a:srgbClr val="000000"/>
+                </a:solidFill>
+                <a:effectLst/>
+                <a:latin typeface="Times New Roman" panose="02020603050405020304" pitchFamily="18" charset="0"/>
+                <a:ea typeface="Times New Roman" panose="02020603050405020304" pitchFamily="18" charset="0"/>
+                <a:cs typeface="Times New Roman" panose="02020603050405020304" pitchFamily="18" charset="0"/>
+              </a:rPr>
+              <a:t>_</a:t>
+            </a:r>
+            <a:r>
+              <a:rPr lang="en-US" sz="1750" dirty="0">
+                <a:solidFill>
+                  <a:srgbClr val="000000"/>
+                </a:solidFill>
+                <a:effectLst/>
+                <a:latin typeface="Times New Roman" panose="02020603050405020304" pitchFamily="18" charset="0"/>
+                <a:ea typeface="Times New Roman" panose="02020603050405020304" pitchFamily="18" charset="0"/>
+                <a:cs typeface="Times New Roman" panose="02020603050405020304" pitchFamily="18" charset="0"/>
+              </a:rPr>
+              <a:t>level </a:t>
+            </a:r>
+            <a:r>
+              <a:rPr lang="ru-RU" sz="1750" dirty="0">
+                <a:solidFill>
+                  <a:srgbClr val="000000"/>
+                </a:solidFill>
+                <a:effectLst/>
+                <a:latin typeface="Times New Roman" panose="02020603050405020304" pitchFamily="18" charset="0"/>
+                <a:ea typeface="Times New Roman" panose="02020603050405020304" pitchFamily="18" charset="0"/>
+                <a:cs typeface="Times New Roman" panose="02020603050405020304" pitchFamily="18" charset="0"/>
+              </a:rPr>
+              <a:t>– изменение уровня сложности</a:t>
+            </a:r>
+            <a:endParaRPr lang="ru-RU" sz="1750" dirty="0">
+              <a:effectLst/>
+              <a:latin typeface="Calibri" panose="020F0502020204030204" pitchFamily="34" charset="0"/>
+              <a:ea typeface="Times New Roman" panose="02020603050405020304" pitchFamily="18" charset="0"/>
+              <a:cs typeface="Times New Roman" panose="02020603050405020304" pitchFamily="18" charset="0"/>
+            </a:endParaRPr>
+          </a:p>
+          <a:p>
+            <a:pPr marL="342900" lvl="0" indent="-342900">
+              <a:lnSpc>
+                <a:spcPct val="150000"/>
+              </a:lnSpc>
+              <a:buFont typeface="Symbol" panose="05050102010706020507" pitchFamily="18" charset="2"/>
+              <a:buChar char=""/>
+            </a:pPr>
+            <a:r>
+              <a:rPr lang="en-US" sz="1750" dirty="0" err="1">
+                <a:solidFill>
+                  <a:srgbClr val="000000"/>
+                </a:solidFill>
+                <a:effectLst/>
+                <a:latin typeface="Times New Roman" panose="02020603050405020304" pitchFamily="18" charset="0"/>
+                <a:ea typeface="Times New Roman" panose="02020603050405020304" pitchFamily="18" charset="0"/>
+                <a:cs typeface="Times New Roman" panose="02020603050405020304" pitchFamily="18" charset="0"/>
+              </a:rPr>
+              <a:t>cor</a:t>
+            </a:r>
+            <a:r>
+              <a:rPr lang="ru-RU" sz="1750" dirty="0">
+                <a:solidFill>
+                  <a:srgbClr val="000000"/>
+                </a:solidFill>
+                <a:effectLst/>
+                <a:latin typeface="Times New Roman" panose="02020603050405020304" pitchFamily="18" charset="0"/>
+                <a:ea typeface="Times New Roman" panose="02020603050405020304" pitchFamily="18" charset="0"/>
+                <a:cs typeface="Times New Roman" panose="02020603050405020304" pitchFamily="18" charset="0"/>
+              </a:rPr>
+              <a:t>_</a:t>
+            </a:r>
+            <a:r>
+              <a:rPr lang="en-US" sz="1750" dirty="0" err="1">
+                <a:solidFill>
+                  <a:srgbClr val="000000"/>
+                </a:solidFill>
+                <a:effectLst/>
+                <a:latin typeface="Times New Roman" panose="02020603050405020304" pitchFamily="18" charset="0"/>
+                <a:ea typeface="Times New Roman" panose="02020603050405020304" pitchFamily="18" charset="0"/>
+                <a:cs typeface="Times New Roman" panose="02020603050405020304" pitchFamily="18" charset="0"/>
+              </a:rPr>
+              <a:t>dir</a:t>
+            </a:r>
+            <a:r>
+              <a:rPr lang="en-US" sz="1750" dirty="0">
+                <a:solidFill>
+                  <a:srgbClr val="000000"/>
+                </a:solidFill>
+                <a:effectLst/>
+                <a:latin typeface="Times New Roman" panose="02020603050405020304" pitchFamily="18" charset="0"/>
+                <a:ea typeface="Times New Roman" panose="02020603050405020304" pitchFamily="18" charset="0"/>
+                <a:cs typeface="Times New Roman" panose="02020603050405020304" pitchFamily="18" charset="0"/>
+              </a:rPr>
+              <a:t> </a:t>
+            </a:r>
+            <a:r>
+              <a:rPr lang="ru-RU" sz="1750" dirty="0">
+                <a:solidFill>
+                  <a:srgbClr val="000000"/>
+                </a:solidFill>
+                <a:effectLst/>
+                <a:latin typeface="Times New Roman" panose="02020603050405020304" pitchFamily="18" charset="0"/>
+                <a:ea typeface="Times New Roman" panose="02020603050405020304" pitchFamily="18" charset="0"/>
+                <a:cs typeface="Times New Roman" panose="02020603050405020304" pitchFamily="18" charset="0"/>
+              </a:rPr>
+              <a:t>– изменения папки для сохранения по умолчанию</a:t>
+            </a:r>
+            <a:endParaRPr lang="ru-RU" sz="1750" dirty="0">
+              <a:effectLst/>
+              <a:latin typeface="Calibri" panose="020F0502020204030204" pitchFamily="34" charset="0"/>
+              <a:ea typeface="Times New Roman" panose="02020603050405020304" pitchFamily="18" charset="0"/>
+              <a:cs typeface="Times New Roman" panose="02020603050405020304" pitchFamily="18" charset="0"/>
+            </a:endParaRPr>
+          </a:p>
+          <a:p>
+            <a:pPr marL="342900" lvl="0" indent="-342900">
+              <a:lnSpc>
+                <a:spcPct val="150000"/>
+              </a:lnSpc>
+              <a:buFont typeface="Symbol" panose="05050102010706020507" pitchFamily="18" charset="2"/>
+              <a:buChar char=""/>
+            </a:pPr>
+            <a:r>
+              <a:rPr lang="en-US" sz="1750" dirty="0" err="1">
+                <a:solidFill>
+                  <a:srgbClr val="000000"/>
+                </a:solidFill>
+                <a:effectLst/>
+                <a:latin typeface="Times New Roman" panose="02020603050405020304" pitchFamily="18" charset="0"/>
+                <a:ea typeface="Times New Roman" panose="02020603050405020304" pitchFamily="18" charset="0"/>
+                <a:cs typeface="Times New Roman" panose="02020603050405020304" pitchFamily="18" charset="0"/>
+              </a:rPr>
+              <a:t>cor_name</a:t>
+            </a:r>
+            <a:r>
+              <a:rPr lang="en-US" sz="1750" dirty="0">
+                <a:solidFill>
+                  <a:srgbClr val="000000"/>
+                </a:solidFill>
+                <a:effectLst/>
+                <a:latin typeface="Times New Roman" panose="02020603050405020304" pitchFamily="18" charset="0"/>
+                <a:ea typeface="Times New Roman" panose="02020603050405020304" pitchFamily="18" charset="0"/>
+                <a:cs typeface="Times New Roman" panose="02020603050405020304" pitchFamily="18" charset="0"/>
+              </a:rPr>
+              <a:t> – </a:t>
+            </a:r>
+            <a:r>
+              <a:rPr lang="ru-RU" sz="1750" dirty="0">
+                <a:solidFill>
+                  <a:srgbClr val="000000"/>
+                </a:solidFill>
+                <a:effectLst/>
+                <a:latin typeface="Times New Roman" panose="02020603050405020304" pitchFamily="18" charset="0"/>
+                <a:ea typeface="Times New Roman" panose="02020603050405020304" pitchFamily="18" charset="0"/>
+                <a:cs typeface="Times New Roman" panose="02020603050405020304" pitchFamily="18" charset="0"/>
+              </a:rPr>
+              <a:t>изменение имени</a:t>
+            </a:r>
+            <a:endParaRPr lang="ru-RU" sz="1750" dirty="0">
+              <a:effectLst/>
+              <a:latin typeface="Calibri" panose="020F0502020204030204" pitchFamily="34" charset="0"/>
+              <a:ea typeface="Times New Roman" panose="02020603050405020304" pitchFamily="18" charset="0"/>
+              <a:cs typeface="Times New Roman" panose="02020603050405020304" pitchFamily="18" charset="0"/>
+            </a:endParaRPr>
+          </a:p>
+          <a:p>
+            <a:pPr marL="342900" lvl="0" indent="-342900">
+              <a:lnSpc>
+                <a:spcPct val="150000"/>
+              </a:lnSpc>
+              <a:buFont typeface="Symbol" panose="05050102010706020507" pitchFamily="18" charset="2"/>
+              <a:buChar char=""/>
+            </a:pPr>
+            <a:r>
+              <a:rPr lang="en-US" sz="1750" dirty="0">
+                <a:solidFill>
+                  <a:srgbClr val="000000"/>
+                </a:solidFill>
+                <a:effectLst/>
+                <a:latin typeface="Times New Roman" panose="02020603050405020304" pitchFamily="18" charset="0"/>
+                <a:ea typeface="Times New Roman" panose="02020603050405020304" pitchFamily="18" charset="0"/>
+                <a:cs typeface="Times New Roman" panose="02020603050405020304" pitchFamily="18" charset="0"/>
+              </a:rPr>
+              <a:t>save</a:t>
+            </a:r>
+            <a:r>
+              <a:rPr lang="ru-RU" sz="1750" dirty="0">
+                <a:solidFill>
+                  <a:srgbClr val="000000"/>
+                </a:solidFill>
+                <a:effectLst/>
+                <a:latin typeface="Times New Roman" panose="02020603050405020304" pitchFamily="18" charset="0"/>
+                <a:ea typeface="Times New Roman" panose="02020603050405020304" pitchFamily="18" charset="0"/>
+                <a:cs typeface="Times New Roman" panose="02020603050405020304" pitchFamily="18" charset="0"/>
+              </a:rPr>
+              <a:t>_</a:t>
+            </a:r>
+            <a:r>
+              <a:rPr lang="en-US" sz="1750" dirty="0">
+                <a:solidFill>
+                  <a:srgbClr val="000000"/>
+                </a:solidFill>
+                <a:effectLst/>
+                <a:latin typeface="Times New Roman" panose="02020603050405020304" pitchFamily="18" charset="0"/>
+                <a:ea typeface="Times New Roman" panose="02020603050405020304" pitchFamily="18" charset="0"/>
+                <a:cs typeface="Times New Roman" panose="02020603050405020304" pitchFamily="18" charset="0"/>
+              </a:rPr>
+              <a:t>photo</a:t>
+            </a:r>
+            <a:r>
+              <a:rPr lang="ru-RU" sz="1750" dirty="0">
+                <a:solidFill>
+                  <a:srgbClr val="000000"/>
+                </a:solidFill>
+                <a:effectLst/>
+                <a:latin typeface="Times New Roman" panose="02020603050405020304" pitchFamily="18" charset="0"/>
+                <a:ea typeface="Times New Roman" panose="02020603050405020304" pitchFamily="18" charset="0"/>
+                <a:cs typeface="Times New Roman" panose="02020603050405020304" pitchFamily="18" charset="0"/>
+              </a:rPr>
+              <a:t>_ – сохранения доски картинкой</a:t>
+            </a:r>
+            <a:endParaRPr lang="ru-RU" sz="1750" dirty="0">
+              <a:effectLst/>
+              <a:latin typeface="Calibri" panose="020F0502020204030204" pitchFamily="34" charset="0"/>
+              <a:ea typeface="Times New Roman" panose="02020603050405020304" pitchFamily="18" charset="0"/>
+              <a:cs typeface="Times New Roman" panose="02020603050405020304" pitchFamily="18" charset="0"/>
+            </a:endParaRPr>
+          </a:p>
+          <a:p>
+            <a:pPr marL="342900" lvl="0" indent="-342900">
+              <a:lnSpc>
+                <a:spcPct val="150000"/>
+              </a:lnSpc>
+              <a:buFont typeface="Symbol" panose="05050102010706020507" pitchFamily="18" charset="2"/>
+              <a:buChar char=""/>
+            </a:pPr>
+            <a:r>
+              <a:rPr lang="en-US" sz="1750" dirty="0">
+                <a:solidFill>
+                  <a:srgbClr val="000000"/>
+                </a:solidFill>
+                <a:effectLst/>
+                <a:latin typeface="Times New Roman" panose="02020603050405020304" pitchFamily="18" charset="0"/>
+                <a:ea typeface="Times New Roman" panose="02020603050405020304" pitchFamily="18" charset="0"/>
+                <a:cs typeface="Times New Roman" panose="02020603050405020304" pitchFamily="18" charset="0"/>
+              </a:rPr>
+              <a:t>hint – </a:t>
+            </a:r>
+            <a:r>
+              <a:rPr lang="ru-RU" sz="1750" dirty="0">
+                <a:solidFill>
+                  <a:srgbClr val="000000"/>
+                </a:solidFill>
+                <a:effectLst/>
+                <a:latin typeface="Times New Roman" panose="02020603050405020304" pitchFamily="18" charset="0"/>
+                <a:ea typeface="Times New Roman" panose="02020603050405020304" pitchFamily="18" charset="0"/>
+                <a:cs typeface="Times New Roman" panose="02020603050405020304" pitchFamily="18" charset="0"/>
+              </a:rPr>
+              <a:t>взять подсказку</a:t>
+            </a:r>
+            <a:endParaRPr lang="ru-RU" sz="1750" dirty="0">
+              <a:effectLst/>
+              <a:latin typeface="Calibri" panose="020F0502020204030204" pitchFamily="34" charset="0"/>
+              <a:ea typeface="Times New Roman" panose="02020603050405020304" pitchFamily="18" charset="0"/>
+              <a:cs typeface="Times New Roman" panose="02020603050405020304" pitchFamily="18" charset="0"/>
+            </a:endParaRPr>
+          </a:p>
+          <a:p>
+            <a:pPr marL="342900" lvl="0" indent="-342900">
+              <a:lnSpc>
+                <a:spcPct val="150000"/>
+              </a:lnSpc>
+              <a:buFont typeface="Symbol" panose="05050102010706020507" pitchFamily="18" charset="2"/>
+              <a:buChar char=""/>
+            </a:pPr>
+            <a:r>
+              <a:rPr lang="en-US" sz="1750" dirty="0">
+                <a:solidFill>
+                  <a:srgbClr val="000000"/>
+                </a:solidFill>
+                <a:effectLst/>
+                <a:latin typeface="Times New Roman" panose="02020603050405020304" pitchFamily="18" charset="0"/>
+                <a:ea typeface="Times New Roman" panose="02020603050405020304" pitchFamily="18" charset="0"/>
+                <a:cs typeface="Times New Roman" panose="02020603050405020304" pitchFamily="18" charset="0"/>
+              </a:rPr>
+              <a:t>save</a:t>
+            </a:r>
+            <a:r>
+              <a:rPr lang="ru-RU" sz="1750" dirty="0">
+                <a:solidFill>
+                  <a:srgbClr val="000000"/>
+                </a:solidFill>
+                <a:effectLst/>
+                <a:latin typeface="Times New Roman" panose="02020603050405020304" pitchFamily="18" charset="0"/>
+                <a:ea typeface="Times New Roman" panose="02020603050405020304" pitchFamily="18" charset="0"/>
+                <a:cs typeface="Times New Roman" panose="02020603050405020304" pitchFamily="18" charset="0"/>
+              </a:rPr>
+              <a:t>_</a:t>
+            </a:r>
+            <a:r>
+              <a:rPr lang="en-US" sz="1750" dirty="0">
+                <a:solidFill>
+                  <a:srgbClr val="000000"/>
+                </a:solidFill>
+                <a:effectLst/>
+                <a:latin typeface="Times New Roman" panose="02020603050405020304" pitchFamily="18" charset="0"/>
+                <a:ea typeface="Times New Roman" panose="02020603050405020304" pitchFamily="18" charset="0"/>
+                <a:cs typeface="Times New Roman" panose="02020603050405020304" pitchFamily="18" charset="0"/>
+              </a:rPr>
+              <a:t>file </a:t>
+            </a:r>
+            <a:r>
+              <a:rPr lang="ru-RU" sz="1750" dirty="0">
+                <a:solidFill>
+                  <a:srgbClr val="000000"/>
+                </a:solidFill>
+                <a:effectLst/>
+                <a:latin typeface="Times New Roman" panose="02020603050405020304" pitchFamily="18" charset="0"/>
+                <a:ea typeface="Times New Roman" panose="02020603050405020304" pitchFamily="18" charset="0"/>
+                <a:cs typeface="Times New Roman" panose="02020603050405020304" pitchFamily="18" charset="0"/>
+              </a:rPr>
+              <a:t>– сохранить </a:t>
+            </a:r>
+            <a:r>
+              <a:rPr lang="en-US" sz="1750" dirty="0">
+                <a:solidFill>
+                  <a:srgbClr val="000000"/>
+                </a:solidFill>
+                <a:effectLst/>
+                <a:latin typeface="Times New Roman" panose="02020603050405020304" pitchFamily="18" charset="0"/>
+                <a:ea typeface="Times New Roman" panose="02020603050405020304" pitchFamily="18" charset="0"/>
+                <a:cs typeface="Times New Roman" panose="02020603050405020304" pitchFamily="18" charset="0"/>
+              </a:rPr>
+              <a:t>CSV</a:t>
+            </a:r>
+            <a:r>
+              <a:rPr lang="ru-RU" sz="1750" dirty="0">
+                <a:solidFill>
+                  <a:srgbClr val="000000"/>
+                </a:solidFill>
+                <a:effectLst/>
+                <a:latin typeface="Times New Roman" panose="02020603050405020304" pitchFamily="18" charset="0"/>
+                <a:ea typeface="Times New Roman" panose="02020603050405020304" pitchFamily="18" charset="0"/>
+                <a:cs typeface="Times New Roman" panose="02020603050405020304" pitchFamily="18" charset="0"/>
+              </a:rPr>
+              <a:t> файл с ходами</a:t>
+            </a:r>
+            <a:endParaRPr lang="ru-RU" sz="1750" dirty="0">
+              <a:effectLst/>
+              <a:latin typeface="Calibri" panose="020F0502020204030204" pitchFamily="34" charset="0"/>
+              <a:ea typeface="Times New Roman" panose="02020603050405020304" pitchFamily="18" charset="0"/>
+              <a:cs typeface="Times New Roman" panose="02020603050405020304" pitchFamily="18" charset="0"/>
+            </a:endParaRPr>
+          </a:p>
+          <a:p>
+            <a:pPr marL="342900" lvl="0" indent="-342900">
+              <a:lnSpc>
+                <a:spcPct val="150000"/>
+              </a:lnSpc>
+              <a:buFont typeface="Symbol" panose="05050102010706020507" pitchFamily="18" charset="2"/>
+              <a:buChar char=""/>
+            </a:pPr>
+            <a:r>
+              <a:rPr lang="en-US" sz="1750" dirty="0">
+                <a:solidFill>
+                  <a:srgbClr val="000000"/>
+                </a:solidFill>
+                <a:effectLst/>
+                <a:latin typeface="Times New Roman" panose="02020603050405020304" pitchFamily="18" charset="0"/>
+                <a:ea typeface="Times New Roman" panose="02020603050405020304" pitchFamily="18" charset="0"/>
+                <a:cs typeface="Times New Roman" panose="02020603050405020304" pitchFamily="18" charset="0"/>
+              </a:rPr>
+              <a:t>steps</a:t>
+            </a:r>
+            <a:r>
+              <a:rPr lang="ru-RU" sz="1750" dirty="0">
+                <a:solidFill>
+                  <a:srgbClr val="000000"/>
+                </a:solidFill>
+                <a:effectLst/>
+                <a:latin typeface="Times New Roman" panose="02020603050405020304" pitchFamily="18" charset="0"/>
+                <a:ea typeface="Times New Roman" panose="02020603050405020304" pitchFamily="18" charset="0"/>
+                <a:cs typeface="Times New Roman" panose="02020603050405020304" pitchFamily="18" charset="0"/>
+              </a:rPr>
+              <a:t>_</a:t>
+            </a:r>
+            <a:r>
+              <a:rPr lang="en-US" sz="1750" dirty="0">
+                <a:solidFill>
+                  <a:srgbClr val="000000"/>
+                </a:solidFill>
+                <a:effectLst/>
+                <a:latin typeface="Times New Roman" panose="02020603050405020304" pitchFamily="18" charset="0"/>
+                <a:ea typeface="Times New Roman" panose="02020603050405020304" pitchFamily="18" charset="0"/>
+                <a:cs typeface="Times New Roman" panose="02020603050405020304" pitchFamily="18" charset="0"/>
+              </a:rPr>
+              <a:t>checker </a:t>
+            </a:r>
+            <a:r>
+              <a:rPr lang="ru-RU" sz="1750" dirty="0">
+                <a:solidFill>
+                  <a:srgbClr val="000000"/>
+                </a:solidFill>
+                <a:effectLst/>
+                <a:latin typeface="Times New Roman" panose="02020603050405020304" pitchFamily="18" charset="0"/>
+                <a:ea typeface="Times New Roman" panose="02020603050405020304" pitchFamily="18" charset="0"/>
+                <a:cs typeface="Times New Roman" panose="02020603050405020304" pitchFamily="18" charset="0"/>
+              </a:rPr>
+              <a:t>– функция для записи ходов в файл</a:t>
+            </a:r>
+            <a:endParaRPr lang="ru-RU" sz="1750" dirty="0">
+              <a:effectLst/>
+              <a:latin typeface="Calibri" panose="020F0502020204030204" pitchFamily="34" charset="0"/>
+              <a:ea typeface="Times New Roman" panose="02020603050405020304" pitchFamily="18" charset="0"/>
+              <a:cs typeface="Times New Roman" panose="02020603050405020304" pitchFamily="18" charset="0"/>
+            </a:endParaRPr>
+          </a:p>
+          <a:p>
+            <a:pPr marL="342900" lvl="0" indent="-342900">
+              <a:lnSpc>
+                <a:spcPct val="150000"/>
+              </a:lnSpc>
+              <a:buFont typeface="Symbol" panose="05050102010706020507" pitchFamily="18" charset="2"/>
+              <a:buChar char=""/>
+            </a:pPr>
+            <a:r>
+              <a:rPr lang="en-US" sz="1750" dirty="0">
+                <a:solidFill>
+                  <a:srgbClr val="000000"/>
+                </a:solidFill>
+                <a:effectLst/>
+                <a:latin typeface="Times New Roman" panose="02020603050405020304" pitchFamily="18" charset="0"/>
+                <a:ea typeface="Times New Roman" panose="02020603050405020304" pitchFamily="18" charset="0"/>
+                <a:cs typeface="Times New Roman" panose="02020603050405020304" pitchFamily="18" charset="0"/>
+              </a:rPr>
+              <a:t>place</a:t>
+            </a:r>
+            <a:r>
+              <a:rPr lang="ru-RU" sz="1750" dirty="0">
+                <a:solidFill>
+                  <a:srgbClr val="000000"/>
+                </a:solidFill>
+                <a:effectLst/>
+                <a:latin typeface="Times New Roman" panose="02020603050405020304" pitchFamily="18" charset="0"/>
+                <a:ea typeface="Times New Roman" panose="02020603050405020304" pitchFamily="18" charset="0"/>
+                <a:cs typeface="Times New Roman" panose="02020603050405020304" pitchFamily="18" charset="0"/>
+              </a:rPr>
+              <a:t>_</a:t>
+            </a:r>
+            <a:r>
+              <a:rPr lang="en-US" sz="1750" dirty="0">
+                <a:solidFill>
+                  <a:srgbClr val="000000"/>
+                </a:solidFill>
+                <a:effectLst/>
+                <a:latin typeface="Times New Roman" panose="02020603050405020304" pitchFamily="18" charset="0"/>
+                <a:ea typeface="Times New Roman" panose="02020603050405020304" pitchFamily="18" charset="0"/>
+                <a:cs typeface="Times New Roman" panose="02020603050405020304" pitchFamily="18" charset="0"/>
+              </a:rPr>
+              <a:t>figures </a:t>
+            </a:r>
+            <a:r>
+              <a:rPr lang="ru-RU" sz="1750" dirty="0">
+                <a:solidFill>
+                  <a:srgbClr val="000000"/>
+                </a:solidFill>
+                <a:effectLst/>
+                <a:latin typeface="Times New Roman" panose="02020603050405020304" pitchFamily="18" charset="0"/>
+                <a:ea typeface="Times New Roman" panose="02020603050405020304" pitchFamily="18" charset="0"/>
+                <a:cs typeface="Times New Roman" panose="02020603050405020304" pitchFamily="18" charset="0"/>
+              </a:rPr>
+              <a:t>– помещение фигур на экран и заполнение списка фигур</a:t>
+            </a:r>
+            <a:endParaRPr lang="ru-RU" sz="1750" dirty="0">
+              <a:effectLst/>
+              <a:latin typeface="Calibri" panose="020F0502020204030204" pitchFamily="34" charset="0"/>
+              <a:ea typeface="Times New Roman" panose="02020603050405020304" pitchFamily="18" charset="0"/>
+              <a:cs typeface="Times New Roman" panose="02020603050405020304" pitchFamily="18" charset="0"/>
+            </a:endParaRPr>
+          </a:p>
+          <a:p>
+            <a:pPr marL="342900" lvl="0" indent="-342900">
+              <a:lnSpc>
+                <a:spcPct val="150000"/>
+              </a:lnSpc>
+              <a:buFont typeface="Symbol" panose="05050102010706020507" pitchFamily="18" charset="2"/>
+              <a:buChar char=""/>
+            </a:pPr>
+            <a:r>
+              <a:rPr lang="en-US" sz="1750" dirty="0">
+                <a:solidFill>
+                  <a:srgbClr val="000000"/>
+                </a:solidFill>
+                <a:effectLst/>
+                <a:latin typeface="Times New Roman" panose="02020603050405020304" pitchFamily="18" charset="0"/>
+                <a:ea typeface="Times New Roman" panose="02020603050405020304" pitchFamily="18" charset="0"/>
+                <a:cs typeface="Times New Roman" panose="02020603050405020304" pitchFamily="18" charset="0"/>
+              </a:rPr>
+              <a:t>replace</a:t>
+            </a:r>
+            <a:r>
+              <a:rPr lang="ru-RU" sz="1750" dirty="0">
+                <a:solidFill>
+                  <a:srgbClr val="000000"/>
+                </a:solidFill>
+                <a:effectLst/>
+                <a:latin typeface="Times New Roman" panose="02020603050405020304" pitchFamily="18" charset="0"/>
+                <a:ea typeface="Times New Roman" panose="02020603050405020304" pitchFamily="18" charset="0"/>
+                <a:cs typeface="Times New Roman" panose="02020603050405020304" pitchFamily="18" charset="0"/>
+              </a:rPr>
+              <a:t>_</a:t>
+            </a:r>
+            <a:r>
+              <a:rPr lang="en-US" sz="1750" dirty="0">
+                <a:solidFill>
+                  <a:srgbClr val="000000"/>
+                </a:solidFill>
+                <a:effectLst/>
+                <a:latin typeface="Times New Roman" panose="02020603050405020304" pitchFamily="18" charset="0"/>
+                <a:ea typeface="Times New Roman" panose="02020603050405020304" pitchFamily="18" charset="0"/>
+                <a:cs typeface="Times New Roman" panose="02020603050405020304" pitchFamily="18" charset="0"/>
+              </a:rPr>
+              <a:t>figures </a:t>
+            </a:r>
+            <a:r>
+              <a:rPr lang="ru-RU" sz="1750" dirty="0">
+                <a:solidFill>
+                  <a:srgbClr val="000000"/>
+                </a:solidFill>
+                <a:effectLst/>
+                <a:latin typeface="Times New Roman" panose="02020603050405020304" pitchFamily="18" charset="0"/>
+                <a:ea typeface="Times New Roman" panose="02020603050405020304" pitchFamily="18" charset="0"/>
+                <a:cs typeface="Times New Roman" panose="02020603050405020304" pitchFamily="18" charset="0"/>
+              </a:rPr>
+              <a:t>– удаление съеденных фигур и добавление перемещённых на экран</a:t>
+            </a:r>
+            <a:endParaRPr lang="ru-RU" sz="1750" dirty="0">
+              <a:effectLst/>
+              <a:latin typeface="Calibri" panose="020F0502020204030204" pitchFamily="34" charset="0"/>
+              <a:ea typeface="Times New Roman" panose="02020603050405020304" pitchFamily="18" charset="0"/>
+              <a:cs typeface="Times New Roman" panose="02020603050405020304" pitchFamily="18" charset="0"/>
+            </a:endParaRPr>
+          </a:p>
+          <a:p>
+            <a:pPr marL="342900" lvl="0" indent="-342900">
+              <a:lnSpc>
+                <a:spcPct val="150000"/>
+              </a:lnSpc>
+              <a:buFont typeface="Symbol" panose="05050102010706020507" pitchFamily="18" charset="2"/>
+              <a:buChar char=""/>
+            </a:pPr>
+            <a:r>
+              <a:rPr lang="en-US" sz="1750" dirty="0">
+                <a:solidFill>
+                  <a:srgbClr val="000000"/>
+                </a:solidFill>
+                <a:effectLst/>
+                <a:latin typeface="Times New Roman" panose="02020603050405020304" pitchFamily="18" charset="0"/>
+                <a:ea typeface="Times New Roman" panose="02020603050405020304" pitchFamily="18" charset="0"/>
+                <a:cs typeface="Times New Roman" panose="02020603050405020304" pitchFamily="18" charset="0"/>
+              </a:rPr>
+              <a:t>move</a:t>
+            </a:r>
+            <a:r>
+              <a:rPr lang="ru-RU" sz="1750" dirty="0">
+                <a:solidFill>
+                  <a:srgbClr val="000000"/>
+                </a:solidFill>
+                <a:effectLst/>
+                <a:latin typeface="Times New Roman" panose="02020603050405020304" pitchFamily="18" charset="0"/>
+                <a:ea typeface="Times New Roman" panose="02020603050405020304" pitchFamily="18" charset="0"/>
+                <a:cs typeface="Times New Roman" panose="02020603050405020304" pitchFamily="18" charset="0"/>
+              </a:rPr>
+              <a:t>_</a:t>
+            </a:r>
+            <a:r>
+              <a:rPr lang="en-US" sz="1750" dirty="0">
+                <a:solidFill>
+                  <a:srgbClr val="000000"/>
+                </a:solidFill>
+                <a:effectLst/>
+                <a:latin typeface="Times New Roman" panose="02020603050405020304" pitchFamily="18" charset="0"/>
+                <a:ea typeface="Times New Roman" panose="02020603050405020304" pitchFamily="18" charset="0"/>
+                <a:cs typeface="Times New Roman" panose="02020603050405020304" pitchFamily="18" charset="0"/>
+              </a:rPr>
+              <a:t>piece </a:t>
+            </a:r>
+            <a:r>
+              <a:rPr lang="ru-RU" sz="1750" dirty="0">
+                <a:solidFill>
+                  <a:srgbClr val="000000"/>
+                </a:solidFill>
+                <a:effectLst/>
+                <a:latin typeface="Times New Roman" panose="02020603050405020304" pitchFamily="18" charset="0"/>
+                <a:ea typeface="Times New Roman" panose="02020603050405020304" pitchFamily="18" charset="0"/>
+                <a:cs typeface="Times New Roman" panose="02020603050405020304" pitchFamily="18" charset="0"/>
+              </a:rPr>
+              <a:t>– переместить фигуру по экрану, ход ИИ</a:t>
+            </a:r>
+            <a:endParaRPr lang="ru-RU" sz="1750" dirty="0">
+              <a:effectLst/>
+              <a:latin typeface="Calibri" panose="020F0502020204030204" pitchFamily="34" charset="0"/>
+              <a:ea typeface="Times New Roman" panose="02020603050405020304" pitchFamily="18" charset="0"/>
+              <a:cs typeface="Times New Roman" panose="02020603050405020304" pitchFamily="18" charset="0"/>
+            </a:endParaRPr>
+          </a:p>
+          <a:p>
+            <a:pPr marL="342900" lvl="0" indent="-342900">
+              <a:lnSpc>
+                <a:spcPct val="150000"/>
+              </a:lnSpc>
+              <a:buFont typeface="Symbol" panose="05050102010706020507" pitchFamily="18" charset="2"/>
+              <a:buChar char=""/>
+            </a:pPr>
+            <a:r>
+              <a:rPr lang="en-US" sz="1750" dirty="0" err="1">
+                <a:solidFill>
+                  <a:srgbClr val="000000"/>
+                </a:solidFill>
+                <a:effectLst/>
+                <a:latin typeface="Times New Roman" panose="02020603050405020304" pitchFamily="18" charset="0"/>
+                <a:ea typeface="Times New Roman" panose="02020603050405020304" pitchFamily="18" charset="0"/>
+                <a:cs typeface="Times New Roman" panose="02020603050405020304" pitchFamily="18" charset="0"/>
+              </a:rPr>
+              <a:t>mouseReleaseEvent</a:t>
+            </a:r>
+            <a:r>
+              <a:rPr lang="en-US" sz="1750" dirty="0">
+                <a:solidFill>
+                  <a:srgbClr val="000000"/>
+                </a:solidFill>
+                <a:effectLst/>
+                <a:latin typeface="Times New Roman" panose="02020603050405020304" pitchFamily="18" charset="0"/>
+                <a:ea typeface="Times New Roman" panose="02020603050405020304" pitchFamily="18" charset="0"/>
+                <a:cs typeface="Times New Roman" panose="02020603050405020304" pitchFamily="18" charset="0"/>
+              </a:rPr>
+              <a:t> </a:t>
+            </a:r>
+            <a:r>
+              <a:rPr lang="ru-RU" sz="1750" dirty="0">
+                <a:solidFill>
+                  <a:srgbClr val="000000"/>
+                </a:solidFill>
+                <a:effectLst/>
+                <a:latin typeface="Times New Roman" panose="02020603050405020304" pitchFamily="18" charset="0"/>
+                <a:ea typeface="Times New Roman" panose="02020603050405020304" pitchFamily="18" charset="0"/>
+                <a:cs typeface="Times New Roman" panose="02020603050405020304" pitchFamily="18" charset="0"/>
+              </a:rPr>
+              <a:t>– выбор клетки, где остановился курсор</a:t>
+            </a:r>
+            <a:endParaRPr lang="ru-RU" sz="1750" dirty="0">
+              <a:effectLst/>
+              <a:latin typeface="Calibri" panose="020F0502020204030204" pitchFamily="34" charset="0"/>
+              <a:ea typeface="Times New Roman" panose="02020603050405020304" pitchFamily="18" charset="0"/>
+              <a:cs typeface="Times New Roman" panose="02020603050405020304" pitchFamily="18" charset="0"/>
+            </a:endParaRPr>
+          </a:p>
+          <a:p>
+            <a:pPr marL="342900" lvl="0" indent="-342900">
+              <a:lnSpc>
+                <a:spcPct val="150000"/>
+              </a:lnSpc>
+              <a:spcAft>
+                <a:spcPts val="800"/>
+              </a:spcAft>
+              <a:buFont typeface="Symbol" panose="05050102010706020507" pitchFamily="18" charset="2"/>
+              <a:buChar char=""/>
+            </a:pPr>
+            <a:r>
+              <a:rPr lang="en-US" sz="1750" dirty="0" err="1">
+                <a:solidFill>
+                  <a:srgbClr val="000000"/>
+                </a:solidFill>
+                <a:effectLst/>
+                <a:latin typeface="Times New Roman" panose="02020603050405020304" pitchFamily="18" charset="0"/>
+                <a:ea typeface="Times New Roman" panose="02020603050405020304" pitchFamily="18" charset="0"/>
+                <a:cs typeface="Times New Roman" panose="02020603050405020304" pitchFamily="18" charset="0"/>
+              </a:rPr>
+              <a:t>mouseMoveEvent</a:t>
+            </a:r>
+            <a:r>
+              <a:rPr lang="en-US" sz="1750" dirty="0">
+                <a:solidFill>
+                  <a:srgbClr val="000000"/>
+                </a:solidFill>
+                <a:effectLst/>
+                <a:latin typeface="Times New Roman" panose="02020603050405020304" pitchFamily="18" charset="0"/>
+                <a:ea typeface="Times New Roman" panose="02020603050405020304" pitchFamily="18" charset="0"/>
+                <a:cs typeface="Times New Roman" panose="02020603050405020304" pitchFamily="18" charset="0"/>
+              </a:rPr>
+              <a:t> </a:t>
+            </a:r>
+            <a:r>
+              <a:rPr lang="ru-RU" sz="1750" dirty="0">
+                <a:solidFill>
+                  <a:srgbClr val="000000"/>
+                </a:solidFill>
+                <a:effectLst/>
+                <a:latin typeface="Times New Roman" panose="02020603050405020304" pitchFamily="18" charset="0"/>
+                <a:ea typeface="Times New Roman" panose="02020603050405020304" pitchFamily="18" charset="0"/>
+                <a:cs typeface="Times New Roman" panose="02020603050405020304" pitchFamily="18" charset="0"/>
+              </a:rPr>
+              <a:t>– функция </a:t>
+            </a:r>
+            <a:r>
+              <a:rPr lang="en-US" sz="1750" dirty="0">
+                <a:solidFill>
+                  <a:srgbClr val="000000"/>
+                </a:solidFill>
+                <a:effectLst/>
+                <a:latin typeface="Times New Roman" panose="02020603050405020304" pitchFamily="18" charset="0"/>
+                <a:ea typeface="Times New Roman" panose="02020603050405020304" pitchFamily="18" charset="0"/>
+                <a:cs typeface="Times New Roman" panose="02020603050405020304" pitchFamily="18" charset="0"/>
+              </a:rPr>
+              <a:t>handler </a:t>
+            </a:r>
+            <a:r>
+              <a:rPr lang="ru-RU" sz="1750" dirty="0">
+                <a:solidFill>
+                  <a:srgbClr val="000000"/>
+                </a:solidFill>
+                <a:effectLst/>
+                <a:latin typeface="Times New Roman" panose="02020603050405020304" pitchFamily="18" charset="0"/>
+                <a:ea typeface="Times New Roman" panose="02020603050405020304" pitchFamily="18" charset="0"/>
+                <a:cs typeface="Times New Roman" panose="02020603050405020304" pitchFamily="18" charset="0"/>
+              </a:rPr>
+              <a:t>(обработчик действий)</a:t>
+            </a:r>
+            <a:endParaRPr lang="ru-RU" sz="1750" dirty="0">
+              <a:effectLst/>
+              <a:latin typeface="Calibri" panose="020F0502020204030204" pitchFamily="34" charset="0"/>
+              <a:ea typeface="Times New Roman" panose="02020603050405020304" pitchFamily="18" charset="0"/>
+              <a:cs typeface="Times New Roman" panose="02020603050405020304" pitchFamily="18" charset="0"/>
+            </a:endParaRPr>
+          </a:p>
+        </p:txBody>
+      </p:sp>
+    </p:spTree>
+    <p:extLst>
+      <p:ext uri="{BB962C8B-B14F-4D97-AF65-F5344CB8AC3E}">
+        <p14:creationId xmlns:p14="http://schemas.microsoft.com/office/powerpoint/2010/main" val="387904621"/>
+      </p:ext>
+    </p:extLst>
+  </p:cSld>
+  <p:clrMapOvr>
+    <a:masterClrMapping/>
+  </p:clrMapOvr>
+</p:sld>
+</file>
+
+<file path=ppt/slides/slide8.xml><?xml version="1.0" encoding="utf-8"?>
+<p:sld xmlns:a="http://schemas.openxmlformats.org/drawingml/2006/main" xmlns:r="http://schemas.openxmlformats.org/officeDocument/2006/relationships" xmlns:p="http://schemas.openxmlformats.org/presentationml/2006/main">
+  <p:cSld>
+    <p:spTree>
+      <p:nvGrpSpPr>
+        <p:cNvPr id="1" name=""/>
+        <p:cNvGrpSpPr/>
+        <p:nvPr/>
+      </p:nvGrpSpPr>
+      <p:grpSpPr>
+        <a:xfrm>
+          <a:off x="0" y="0"/>
+          <a:ext cx="0" cy="0"/>
+          <a:chOff x="0" y="0"/>
+          <a:chExt cx="0" cy="0"/>
+        </a:xfrm>
+      </p:grpSpPr>
+      <p:sp>
+        <p:nvSpPr>
+          <p:cNvPr id="2" name="Заголовок 1">
+            <a:extLst>
+              <a:ext uri="{FF2B5EF4-FFF2-40B4-BE49-F238E27FC236}">
+                <a16:creationId xmlns:a16="http://schemas.microsoft.com/office/drawing/2014/main" id="{43E6D962-7844-45B6-12AC-FEE7DC1EE59B}"/>
+              </a:ext>
+            </a:extLst>
+          </p:cNvPr>
+          <p:cNvSpPr>
+            <a:spLocks noGrp="1"/>
+          </p:cNvSpPr>
+          <p:nvPr>
+            <p:ph type="title"/>
+          </p:nvPr>
+        </p:nvSpPr>
+        <p:spPr>
+          <a:xfrm>
+            <a:off x="261152" y="33097"/>
+            <a:ext cx="10515600" cy="553970"/>
+          </a:xfrm>
+        </p:spPr>
+        <p:txBody>
+          <a:bodyPr>
+            <a:normAutofit/>
+          </a:bodyPr>
+          <a:lstStyle/>
+          <a:p>
+            <a:r>
+              <a:rPr lang="ru-RU" sz="2800" dirty="0">
+                <a:solidFill>
+                  <a:srgbClr val="000000"/>
+                </a:solidFill>
+                <a:effectLst/>
+                <a:latin typeface="Times New Roman" panose="02020603050405020304" pitchFamily="18" charset="0"/>
+                <a:ea typeface="Times New Roman" panose="02020603050405020304" pitchFamily="18" charset="0"/>
+              </a:rPr>
+              <a:t>Запущенная программа выглядит так: </a:t>
+            </a:r>
+            <a:endParaRPr lang="ru-RU" sz="2800" dirty="0"/>
+          </a:p>
+        </p:txBody>
+      </p:sp>
+      <p:pic>
+        <p:nvPicPr>
+          <p:cNvPr id="3" name="Рисунок 2">
+            <a:extLst>
+              <a:ext uri="{FF2B5EF4-FFF2-40B4-BE49-F238E27FC236}">
+                <a16:creationId xmlns:a16="http://schemas.microsoft.com/office/drawing/2014/main" id="{90322715-0515-A340-CAAB-BB395D491411}"/>
+              </a:ext>
+            </a:extLst>
+          </p:cNvPr>
+          <p:cNvPicPr>
+            <a:picLocks noChangeAspect="1"/>
+          </p:cNvPicPr>
+          <p:nvPr/>
+        </p:nvPicPr>
+        <p:blipFill>
+          <a:blip r:embed="rId2"/>
+          <a:stretch>
+            <a:fillRect/>
+          </a:stretch>
+        </p:blipFill>
+        <p:spPr>
+          <a:xfrm>
+            <a:off x="2030451" y="539124"/>
+            <a:ext cx="8045704" cy="6252514"/>
+          </a:xfrm>
+          <a:prstGeom prst="rect">
+            <a:avLst/>
+          </a:prstGeom>
+        </p:spPr>
+      </p:pic>
+    </p:spTree>
+    <p:extLst>
+      <p:ext uri="{BB962C8B-B14F-4D97-AF65-F5344CB8AC3E}">
+        <p14:creationId xmlns:p14="http://schemas.microsoft.com/office/powerpoint/2010/main" val="1543652795"/>
+      </p:ext>
+    </p:extLst>
+  </p:cSld>
+  <p:clrMapOvr>
+    <a:masterClrMapping/>
+  </p:clrMapOvr>
+</p:sld>
+</file>
+
+<file path=ppt/slides/slide9.xml><?xml version="1.0" encoding="utf-8"?>
+<p:sld xmlns:a="http://schemas.openxmlformats.org/drawingml/2006/main" xmlns:r="http://schemas.openxmlformats.org/officeDocument/2006/relationships" xmlns:p="http://schemas.openxmlformats.org/presentationml/2006/main">
+  <p:cSld>
+    <p:spTree>
+      <p:nvGrpSpPr>
+        <p:cNvPr id="1" name=""/>
+        <p:cNvGrpSpPr/>
+        <p:nvPr/>
+      </p:nvGrpSpPr>
+      <p:grpSpPr>
+        <a:xfrm>
+          <a:off x="0" y="0"/>
+          <a:ext cx="0" cy="0"/>
+          <a:chOff x="0" y="0"/>
+          <a:chExt cx="0" cy="0"/>
+        </a:xfrm>
+      </p:grpSpPr>
+      <p:sp>
+        <p:nvSpPr>
+          <p:cNvPr id="3" name="Текст 2">
+            <a:extLst>
+              <a:ext uri="{FF2B5EF4-FFF2-40B4-BE49-F238E27FC236}">
+                <a16:creationId xmlns:a16="http://schemas.microsoft.com/office/drawing/2014/main" id="{B8AA59DB-25BE-7DED-6902-2B7B8289FD01}"/>
+              </a:ext>
+            </a:extLst>
+          </p:cNvPr>
+          <p:cNvSpPr>
+            <a:spLocks noGrp="1"/>
+          </p:cNvSpPr>
+          <p:nvPr>
+            <p:ph type="body" idx="1"/>
+          </p:nvPr>
+        </p:nvSpPr>
+        <p:spPr>
+          <a:xfrm>
+            <a:off x="838200" y="274915"/>
+            <a:ext cx="10515600" cy="1500187"/>
+          </a:xfrm>
+        </p:spPr>
+        <p:txBody>
+          <a:bodyPr>
+            <a:normAutofit/>
+          </a:bodyPr>
+          <a:lstStyle/>
+          <a:p>
+            <a:pPr>
+              <a:lnSpc>
+                <a:spcPct val="150000"/>
+              </a:lnSpc>
+            </a:pPr>
+            <a:r>
+              <a:rPr lang="ru-RU" sz="2400" dirty="0">
+                <a:solidFill>
+                  <a:schemeClr val="tx1"/>
+                </a:solidFill>
+                <a:latin typeface="Times New Roman" panose="02020603050405020304" pitchFamily="18" charset="0"/>
+                <a:cs typeface="Times New Roman" panose="02020603050405020304" pitchFamily="18" charset="0"/>
+              </a:rPr>
+              <a:t>Приложение имеет функции выбора уровня, сохранение картинки доски, сохранение файла ходов, подсказки и другие.</a:t>
+            </a:r>
+            <a:endParaRPr lang="ru-RU" dirty="0"/>
+          </a:p>
+        </p:txBody>
+      </p:sp>
+      <p:pic>
+        <p:nvPicPr>
+          <p:cNvPr id="5" name="Рисунок 4">
+            <a:extLst>
+              <a:ext uri="{FF2B5EF4-FFF2-40B4-BE49-F238E27FC236}">
+                <a16:creationId xmlns:a16="http://schemas.microsoft.com/office/drawing/2014/main" id="{AE1C4650-B650-FE66-8E73-68FB948188CE}"/>
+              </a:ext>
+            </a:extLst>
+          </p:cNvPr>
+          <p:cNvPicPr>
+            <a:picLocks noChangeAspect="1"/>
+          </p:cNvPicPr>
+          <p:nvPr/>
+        </p:nvPicPr>
+        <p:blipFill>
+          <a:blip r:embed="rId2"/>
+          <a:stretch>
+            <a:fillRect/>
+          </a:stretch>
+        </p:blipFill>
+        <p:spPr>
+          <a:xfrm>
+            <a:off x="838200" y="1577515"/>
+            <a:ext cx="3826409" cy="1627324"/>
+          </a:xfrm>
+          <a:prstGeom prst="rect">
+            <a:avLst/>
+          </a:prstGeom>
+        </p:spPr>
+      </p:pic>
+      <p:pic>
+        <p:nvPicPr>
+          <p:cNvPr id="7" name="Рисунок 6">
+            <a:extLst>
+              <a:ext uri="{FF2B5EF4-FFF2-40B4-BE49-F238E27FC236}">
+                <a16:creationId xmlns:a16="http://schemas.microsoft.com/office/drawing/2014/main" id="{346ED90D-849A-11EC-ABFF-E754F0013842}"/>
+              </a:ext>
+            </a:extLst>
+          </p:cNvPr>
+          <p:cNvPicPr>
+            <a:picLocks noChangeAspect="1"/>
+          </p:cNvPicPr>
+          <p:nvPr/>
+        </p:nvPicPr>
+        <p:blipFill>
+          <a:blip r:embed="rId3"/>
+          <a:stretch>
+            <a:fillRect/>
+          </a:stretch>
+        </p:blipFill>
+        <p:spPr>
+          <a:xfrm>
+            <a:off x="6096000" y="1456964"/>
+            <a:ext cx="1808535" cy="1446828"/>
+          </a:xfrm>
+          <a:prstGeom prst="rect">
+            <a:avLst/>
+          </a:prstGeom>
+        </p:spPr>
+      </p:pic>
+    </p:spTree>
+    <p:extLst>
+      <p:ext uri="{BB962C8B-B14F-4D97-AF65-F5344CB8AC3E}">
+        <p14:creationId xmlns:p14="http://schemas.microsoft.com/office/powerpoint/2010/main" val="437074474"/>
       </p:ext>
     </p:extLst>
   </p:cSld>
